--- a/3d models/ppt/__Deflame.pptx
+++ b/3d models/ppt/__Deflame.pptx
@@ -5,11 +5,17 @@
     <p:sldMasterId id="2147483660" r:id="rId1"/>
   </p:sldMasterIdLst>
   <p:notesMasterIdLst>
-    <p:notesMasterId r:id="rId4"/>
+    <p:notesMasterId r:id="rId10"/>
   </p:notesMasterIdLst>
   <p:sldIdLst>
     <p:sldId id="256" r:id="rId2"/>
     <p:sldId id="257" r:id="rId3"/>
+    <p:sldId id="258" r:id="rId4"/>
+    <p:sldId id="259" r:id="rId5"/>
+    <p:sldId id="260" r:id="rId6"/>
+    <p:sldId id="261" r:id="rId7"/>
+    <p:sldId id="262" r:id="rId8"/>
+    <p:sldId id="263" r:id="rId9"/>
   </p:sldIdLst>
   <p:sldSz cx="1800225" cy="1800225"/>
   <p:notesSz cx="6858000" cy="9144000"/>
@@ -198,7 +204,7 @@
           <a:p>
             <a:fld id="{E5742A41-E671-4430-BD11-9C70C9E0B339}" type="datetimeFigureOut">
               <a:rPr lang="en-CA" smtClean="0"/>
-              <a:t>2025-05-17</a:t>
+              <a:t>2025-05-18</a:t>
             </a:fld>
             <a:endParaRPr lang="en-CA"/>
           </a:p>
@@ -597,7 +603,7 @@
           <a:p>
             <a:fld id="{E174D934-5F45-4F20-9FDF-AE6396442B39}" type="datetimeFigureOut">
               <a:rPr lang="en-CA" smtClean="0"/>
-              <a:t>2025-05-17</a:t>
+              <a:t>2025-05-18</a:t>
             </a:fld>
             <a:endParaRPr lang="en-CA"/>
           </a:p>
@@ -767,7 +773,7 @@
           <a:p>
             <a:fld id="{E174D934-5F45-4F20-9FDF-AE6396442B39}" type="datetimeFigureOut">
               <a:rPr lang="en-CA" smtClean="0"/>
-              <a:t>2025-05-17</a:t>
+              <a:t>2025-05-18</a:t>
             </a:fld>
             <a:endParaRPr lang="en-CA"/>
           </a:p>
@@ -947,7 +953,7 @@
           <a:p>
             <a:fld id="{E174D934-5F45-4F20-9FDF-AE6396442B39}" type="datetimeFigureOut">
               <a:rPr lang="en-CA" smtClean="0"/>
-              <a:t>2025-05-17</a:t>
+              <a:t>2025-05-18</a:t>
             </a:fld>
             <a:endParaRPr lang="en-CA"/>
           </a:p>
@@ -1117,7 +1123,7 @@
           <a:p>
             <a:fld id="{E174D934-5F45-4F20-9FDF-AE6396442B39}" type="datetimeFigureOut">
               <a:rPr lang="en-CA" smtClean="0"/>
-              <a:t>2025-05-17</a:t>
+              <a:t>2025-05-18</a:t>
             </a:fld>
             <a:endParaRPr lang="en-CA"/>
           </a:p>
@@ -1363,7 +1369,7 @@
           <a:p>
             <a:fld id="{E174D934-5F45-4F20-9FDF-AE6396442B39}" type="datetimeFigureOut">
               <a:rPr lang="en-CA" smtClean="0"/>
-              <a:t>2025-05-17</a:t>
+              <a:t>2025-05-18</a:t>
             </a:fld>
             <a:endParaRPr lang="en-CA"/>
           </a:p>
@@ -1595,7 +1601,7 @@
           <a:p>
             <a:fld id="{E174D934-5F45-4F20-9FDF-AE6396442B39}" type="datetimeFigureOut">
               <a:rPr lang="en-CA" smtClean="0"/>
-              <a:t>2025-05-17</a:t>
+              <a:t>2025-05-18</a:t>
             </a:fld>
             <a:endParaRPr lang="en-CA"/>
           </a:p>
@@ -1962,7 +1968,7 @@
           <a:p>
             <a:fld id="{E174D934-5F45-4F20-9FDF-AE6396442B39}" type="datetimeFigureOut">
               <a:rPr lang="en-CA" smtClean="0"/>
-              <a:t>2025-05-17</a:t>
+              <a:t>2025-05-18</a:t>
             </a:fld>
             <a:endParaRPr lang="en-CA"/>
           </a:p>
@@ -2080,7 +2086,7 @@
           <a:p>
             <a:fld id="{E174D934-5F45-4F20-9FDF-AE6396442B39}" type="datetimeFigureOut">
               <a:rPr lang="en-CA" smtClean="0"/>
-              <a:t>2025-05-17</a:t>
+              <a:t>2025-05-18</a:t>
             </a:fld>
             <a:endParaRPr lang="en-CA"/>
           </a:p>
@@ -2175,7 +2181,7 @@
           <a:p>
             <a:fld id="{E174D934-5F45-4F20-9FDF-AE6396442B39}" type="datetimeFigureOut">
               <a:rPr lang="en-CA" smtClean="0"/>
-              <a:t>2025-05-17</a:t>
+              <a:t>2025-05-18</a:t>
             </a:fld>
             <a:endParaRPr lang="en-CA"/>
           </a:p>
@@ -2452,7 +2458,7 @@
           <a:p>
             <a:fld id="{E174D934-5F45-4F20-9FDF-AE6396442B39}" type="datetimeFigureOut">
               <a:rPr lang="en-CA" smtClean="0"/>
-              <a:t>2025-05-17</a:t>
+              <a:t>2025-05-18</a:t>
             </a:fld>
             <a:endParaRPr lang="en-CA"/>
           </a:p>
@@ -2709,7 +2715,7 @@
           <a:p>
             <a:fld id="{E174D934-5F45-4F20-9FDF-AE6396442B39}" type="datetimeFigureOut">
               <a:rPr lang="en-CA" smtClean="0"/>
-              <a:t>2025-05-17</a:t>
+              <a:t>2025-05-18</a:t>
             </a:fld>
             <a:endParaRPr lang="en-CA"/>
           </a:p>
@@ -2922,7 +2928,7 @@
           <a:p>
             <a:fld id="{E174D934-5F45-4F20-9FDF-AE6396442B39}" type="datetimeFigureOut">
               <a:rPr lang="en-CA" smtClean="0"/>
-              <a:t>2025-05-17</a:t>
+              <a:t>2025-05-18</a:t>
             </a:fld>
             <a:endParaRPr lang="en-CA"/>
           </a:p>
@@ -3374,7 +3380,7 @@
       </p:pic>
       <p:pic>
         <p:nvPicPr>
-          <p:cNvPr id="3" name="Picture 2">
+          <p:cNvPr id="3" name="g">
             <a:extLst>
               <a:ext uri="{FF2B5EF4-FFF2-40B4-BE49-F238E27FC236}">
                 <a16:creationId xmlns:a16="http://schemas.microsoft.com/office/drawing/2014/main" id="{EDD58BFB-01FF-4036-1057-7FB5E41A364D}"/>
@@ -3394,14 +3400,13 @@
               </a:ext>
             </a:extLst>
           </a:blip>
-          <a:stretch>
-            <a:fillRect/>
-          </a:stretch>
+          <a:srcRect t="4699" b="4699"/>
+          <a:stretch/>
         </p:blipFill>
         <p:spPr>
           <a:xfrm>
             <a:off x="52732" y="213190"/>
-            <a:ext cx="276225" cy="323850"/>
+            <a:ext cx="274955" cy="323850"/>
           </a:xfrm>
           <a:prstGeom prst="ellipse">
             <a:avLst/>
@@ -3608,7 +3613,13 @@
   <p:cSld>
     <p:spTree>
       <p:nvGrpSpPr>
-        <p:cNvPr id="1" name=""/>
+        <p:cNvPr id="1" name="">
+          <a:extLst>
+            <a:ext uri="{FF2B5EF4-FFF2-40B4-BE49-F238E27FC236}">
+              <a16:creationId xmlns:a16="http://schemas.microsoft.com/office/drawing/2014/main" id="{863C10C7-8D8F-A8EF-A655-984DF66A5DA9}"/>
+            </a:ext>
+          </a:extLst>
+        </p:cNvPr>
         <p:cNvGrpSpPr/>
         <p:nvPr/>
       </p:nvGrpSpPr>
@@ -3622,10 +3633,10 @@
       </p:grpSpPr>
       <p:pic>
         <p:nvPicPr>
-          <p:cNvPr id="1027" name="Picture 3">
+          <p:cNvPr id="1029" name="Picture 5">
             <a:extLst>
               <a:ext uri="{FF2B5EF4-FFF2-40B4-BE49-F238E27FC236}">
-                <a16:creationId xmlns:a16="http://schemas.microsoft.com/office/drawing/2014/main" id="{756A996B-2BCD-C429-31B6-1C4F5A55A75A}"/>
+                <a16:creationId xmlns:a16="http://schemas.microsoft.com/office/drawing/2014/main" id="{375C19B3-1ADE-3E92-3DA8-259E984692DB}"/>
               </a:ext>
             </a:extLst>
           </p:cNvPr>
@@ -3634,7 +3645,7 @@
           </p:cNvPicPr>
           <p:nvPr/>
         </p:nvPicPr>
-        <p:blipFill>
+        <p:blipFill rotWithShape="1">
           <a:blip r:embed="rId2">
             <a:extLst>
               <a:ext uri="{28A0092B-C50C-407E-A947-70E740481C1C}">
@@ -3642,17 +3653,103 @@
               </a:ext>
             </a:extLst>
           </a:blip>
-          <a:srcRect/>
-          <a:stretch>
-            <a:fillRect/>
-          </a:stretch>
+          <a:srcRect b="25035"/>
+          <a:stretch/>
         </p:blipFill>
         <p:spPr bwMode="auto">
           <a:xfrm>
-            <a:off x="0" y="184943"/>
-            <a:ext cx="1430338" cy="1430338"/>
+            <a:off x="-128236" y="29400"/>
+            <a:ext cx="677165" cy="507639"/>
           </a:xfrm>
-          <a:prstGeom prst="rect">
+          <a:prstGeom prst="ellipse">
+            <a:avLst/>
+          </a:prstGeom>
+          <a:noFill/>
+          <a:extLst>
+            <a:ext uri="{909E8E84-426E-40DD-AFC4-6F175D3DCCD1}">
+              <a14:hiddenFill xmlns:a14="http://schemas.microsoft.com/office/drawing/2010/main">
+                <a:solidFill>
+                  <a:srgbClr val="FFFFFF"/>
+                </a:solidFill>
+              </a14:hiddenFill>
+            </a:ext>
+          </a:extLst>
+        </p:spPr>
+      </p:pic>
+      <p:pic>
+        <p:nvPicPr>
+          <p:cNvPr id="3" name="r">
+            <a:extLst>
+              <a:ext uri="{FF2B5EF4-FFF2-40B4-BE49-F238E27FC236}">
+                <a16:creationId xmlns:a16="http://schemas.microsoft.com/office/drawing/2014/main" id="{2ABCD31C-EF1D-759E-FE65-DEBA446A3A51}"/>
+              </a:ext>
+            </a:extLst>
+          </p:cNvPr>
+          <p:cNvPicPr>
+            <a:picLocks noChangeAspect="1"/>
+          </p:cNvPicPr>
+          <p:nvPr/>
+        </p:nvPicPr>
+        <p:blipFill>
+          <a:blip r:embed="rId3">
+            <a:extLst>
+              <a:ext uri="{28A0092B-C50C-407E-A947-70E740481C1C}">
+                <a14:useLocalDpi xmlns:a14="http://schemas.microsoft.com/office/drawing/2010/main" val="0"/>
+              </a:ext>
+            </a:extLst>
+          </a:blip>
+          <a:srcRect t="4699" b="4699"/>
+          <a:stretch/>
+        </p:blipFill>
+        <p:spPr>
+          <a:xfrm>
+            <a:off x="52732" y="213190"/>
+            <a:ext cx="274955" cy="323850"/>
+          </a:xfrm>
+          <a:prstGeom prst="ellipse">
+            <a:avLst/>
+          </a:prstGeom>
+        </p:spPr>
+      </p:pic>
+      <p:pic>
+        <p:nvPicPr>
+          <p:cNvPr id="7" name="2s">
+            <a:extLst>
+              <a:ext uri="{FF2B5EF4-FFF2-40B4-BE49-F238E27FC236}">
+                <a16:creationId xmlns:a16="http://schemas.microsoft.com/office/drawing/2014/main" id="{698170E2-380C-6CEB-7F98-70EA628C7FAF}"/>
+              </a:ext>
+            </a:extLst>
+          </p:cNvPr>
+          <p:cNvPicPr>
+            <a:picLocks noChangeAspect="1" noChangeArrowheads="1"/>
+          </p:cNvPicPr>
+          <p:nvPr/>
+        </p:nvPicPr>
+        <p:blipFill rotWithShape="1">
+          <a:blip r:embed="rId2">
+            <a:alphaModFix amt="70000"/>
+            <a:duotone>
+              <a:schemeClr val="accent2">
+                <a:shade val="45000"/>
+                <a:satMod val="135000"/>
+              </a:schemeClr>
+              <a:prstClr val="white"/>
+            </a:duotone>
+            <a:extLst>
+              <a:ext uri="{28A0092B-C50C-407E-A947-70E740481C1C}">
+                <a14:useLocalDpi xmlns:a14="http://schemas.microsoft.com/office/drawing/2010/main" val="0"/>
+              </a:ext>
+            </a:extLst>
+          </a:blip>
+          <a:srcRect b="25035"/>
+          <a:stretch/>
+        </p:blipFill>
+        <p:spPr bwMode="auto">
+          <a:xfrm flipH="1">
+            <a:off x="-62582" y="127834"/>
+            <a:ext cx="545858" cy="409205"/>
+          </a:xfrm>
+          <a:prstGeom prst="ellipse">
             <a:avLst/>
           </a:prstGeom>
           <a:noFill/>
@@ -3670,13 +3767,1930 @@
     </p:spTree>
     <p:extLst>
       <p:ext uri="{BB962C8B-B14F-4D97-AF65-F5344CB8AC3E}">
-        <p14:creationId xmlns:p14="http://schemas.microsoft.com/office/powerpoint/2010/main" val="2055963985"/>
+        <p14:creationId xmlns:p14="http://schemas.microsoft.com/office/powerpoint/2010/main" val="3258585900"/>
       </p:ext>
     </p:extLst>
   </p:cSld>
   <p:clrMapOvr>
     <a:masterClrMapping/>
   </p:clrMapOvr>
+  <mc:AlternateContent xmlns:mc="http://schemas.openxmlformats.org/markup-compatibility/2006" xmlns:p14="http://schemas.microsoft.com/office/powerpoint/2010/main">
+    <mc:Choice Requires="p14">
+      <p:transition spd="slow" p14:dur="3000"/>
+    </mc:Choice>
+    <mc:Fallback xmlns="">
+      <p:transition spd="slow"/>
+    </mc:Fallback>
+  </mc:AlternateContent>
+  <p:timing>
+    <p:tnLst>
+      <p:par>
+        <p:cTn id="1" dur="indefinite" restart="never" nodeType="tmRoot">
+          <p:childTnLst>
+            <p:seq concurrent="1" nextAc="seek">
+              <p:cTn id="2" dur="indefinite" nodeType="mainSeq">
+                <p:childTnLst>
+                  <p:par>
+                    <p:cTn id="3" fill="hold">
+                      <p:stCondLst>
+                        <p:cond delay="indefinite"/>
+                        <p:cond evt="onBegin" delay="0">
+                          <p:tn val="2"/>
+                        </p:cond>
+                      </p:stCondLst>
+                      <p:childTnLst>
+                        <p:par>
+                          <p:cTn id="4" fill="hold">
+                            <p:stCondLst>
+                              <p:cond delay="0"/>
+                            </p:stCondLst>
+                            <p:childTnLst>
+                              <p:par>
+                                <p:cTn id="5" presetID="6" presetClass="exit" presetSubtype="32" fill="hold" nodeType="withEffect">
+                                  <p:stCondLst>
+                                    <p:cond delay="0"/>
+                                  </p:stCondLst>
+                                  <p:childTnLst>
+                                    <p:animEffect transition="out" filter="circle(out)">
+                                      <p:cBhvr>
+                                        <p:cTn id="6" dur="2000"/>
+                                        <p:tgtEl>
+                                          <p:spTgt spid="7"/>
+                                        </p:tgtEl>
+                                      </p:cBhvr>
+                                    </p:animEffect>
+                                    <p:set>
+                                      <p:cBhvr>
+                                        <p:cTn id="7" dur="1" fill="hold">
+                                          <p:stCondLst>
+                                            <p:cond delay="1999"/>
+                                          </p:stCondLst>
+                                        </p:cTn>
+                                        <p:tgtEl>
+                                          <p:spTgt spid="7"/>
+                                        </p:tgtEl>
+                                        <p:attrNameLst>
+                                          <p:attrName>style.visibility</p:attrName>
+                                        </p:attrNameLst>
+                                      </p:cBhvr>
+                                      <p:to>
+                                        <p:strVal val="hidden"/>
+                                      </p:to>
+                                    </p:set>
+                                  </p:childTnLst>
+                                </p:cTn>
+                              </p:par>
+                              <p:par>
+                                <p:cTn id="8" presetID="6" presetClass="exit" presetSubtype="32" fill="hold" nodeType="withEffect">
+                                  <p:stCondLst>
+                                    <p:cond delay="0"/>
+                                  </p:stCondLst>
+                                  <p:childTnLst>
+                                    <p:animEffect transition="out" filter="circle(out)">
+                                      <p:cBhvr>
+                                        <p:cTn id="9" dur="2000"/>
+                                        <p:tgtEl>
+                                          <p:spTgt spid="1029"/>
+                                        </p:tgtEl>
+                                      </p:cBhvr>
+                                    </p:animEffect>
+                                    <p:set>
+                                      <p:cBhvr>
+                                        <p:cTn id="10" dur="1" fill="hold">
+                                          <p:stCondLst>
+                                            <p:cond delay="1999"/>
+                                          </p:stCondLst>
+                                        </p:cTn>
+                                        <p:tgtEl>
+                                          <p:spTgt spid="1029"/>
+                                        </p:tgtEl>
+                                        <p:attrNameLst>
+                                          <p:attrName>style.visibility</p:attrName>
+                                        </p:attrNameLst>
+                                      </p:cBhvr>
+                                      <p:to>
+                                        <p:strVal val="hidden"/>
+                                      </p:to>
+                                    </p:set>
+                                  </p:childTnLst>
+                                </p:cTn>
+                              </p:par>
+                            </p:childTnLst>
+                          </p:cTn>
+                        </p:par>
+                      </p:childTnLst>
+                    </p:cTn>
+                  </p:par>
+                </p:childTnLst>
+              </p:cTn>
+              <p:prevCondLst>
+                <p:cond evt="onPrev" delay="0">
+                  <p:tgtEl>
+                    <p:sldTgt/>
+                  </p:tgtEl>
+                </p:cond>
+              </p:prevCondLst>
+              <p:nextCondLst>
+                <p:cond evt="onNext" delay="0">
+                  <p:tgtEl>
+                    <p:sldTgt/>
+                  </p:tgtEl>
+                </p:cond>
+              </p:nextCondLst>
+            </p:seq>
+          </p:childTnLst>
+        </p:cTn>
+      </p:par>
+    </p:tnLst>
+  </p:timing>
+</p:sld>
+</file>
+
+<file path=ppt/slides/slide3.xml><?xml version="1.0" encoding="utf-8"?>
+<p:sld xmlns:a="http://schemas.openxmlformats.org/drawingml/2006/main" xmlns:r="http://schemas.openxmlformats.org/officeDocument/2006/relationships" xmlns:p="http://schemas.openxmlformats.org/presentationml/2006/main">
+  <p:cSld>
+    <p:spTree>
+      <p:nvGrpSpPr>
+        <p:cNvPr id="1" name="">
+          <a:extLst>
+            <a:ext uri="{FF2B5EF4-FFF2-40B4-BE49-F238E27FC236}">
+              <a16:creationId xmlns:a16="http://schemas.microsoft.com/office/drawing/2014/main" id="{B1795261-EF39-382A-6E91-912F095FE994}"/>
+            </a:ext>
+          </a:extLst>
+        </p:cNvPr>
+        <p:cNvGrpSpPr/>
+        <p:nvPr/>
+      </p:nvGrpSpPr>
+      <p:grpSpPr>
+        <a:xfrm>
+          <a:off x="0" y="0"/>
+          <a:ext cx="0" cy="0"/>
+          <a:chOff x="0" y="0"/>
+          <a:chExt cx="0" cy="0"/>
+        </a:xfrm>
+      </p:grpSpPr>
+      <p:pic>
+        <p:nvPicPr>
+          <p:cNvPr id="1029" name="Picture 5">
+            <a:extLst>
+              <a:ext uri="{FF2B5EF4-FFF2-40B4-BE49-F238E27FC236}">
+                <a16:creationId xmlns:a16="http://schemas.microsoft.com/office/drawing/2014/main" id="{906FA5E8-CF47-8F8F-A066-D48015F5CF55}"/>
+              </a:ext>
+            </a:extLst>
+          </p:cNvPr>
+          <p:cNvPicPr>
+            <a:picLocks noChangeAspect="1" noChangeArrowheads="1"/>
+          </p:cNvPicPr>
+          <p:nvPr/>
+        </p:nvPicPr>
+        <p:blipFill rotWithShape="1">
+          <a:blip r:embed="rId2">
+            <a:extLst>
+              <a:ext uri="{28A0092B-C50C-407E-A947-70E740481C1C}">
+                <a14:useLocalDpi xmlns:a14="http://schemas.microsoft.com/office/drawing/2010/main" val="0"/>
+              </a:ext>
+            </a:extLst>
+          </a:blip>
+          <a:srcRect b="25035"/>
+          <a:stretch/>
+        </p:blipFill>
+        <p:spPr bwMode="auto">
+          <a:xfrm>
+            <a:off x="-128236" y="29400"/>
+            <a:ext cx="677165" cy="507639"/>
+          </a:xfrm>
+          <a:prstGeom prst="ellipse">
+            <a:avLst/>
+          </a:prstGeom>
+          <a:noFill/>
+          <a:extLst>
+            <a:ext uri="{909E8E84-426E-40DD-AFC4-6F175D3DCCD1}">
+              <a14:hiddenFill xmlns:a14="http://schemas.microsoft.com/office/drawing/2010/main">
+                <a:solidFill>
+                  <a:srgbClr val="FFFFFF"/>
+                </a:solidFill>
+              </a14:hiddenFill>
+            </a:ext>
+          </a:extLst>
+        </p:spPr>
+      </p:pic>
+      <p:pic>
+        <p:nvPicPr>
+          <p:cNvPr id="3" name="o">
+            <a:extLst>
+              <a:ext uri="{FF2B5EF4-FFF2-40B4-BE49-F238E27FC236}">
+                <a16:creationId xmlns:a16="http://schemas.microsoft.com/office/drawing/2014/main" id="{4B2EB47C-F501-0E28-8EA4-5EF8C8E7143F}"/>
+              </a:ext>
+            </a:extLst>
+          </p:cNvPr>
+          <p:cNvPicPr>
+            <a:picLocks noChangeAspect="1"/>
+          </p:cNvPicPr>
+          <p:nvPr/>
+        </p:nvPicPr>
+        <p:blipFill>
+          <a:blip r:embed="rId3">
+            <a:extLst>
+              <a:ext uri="{28A0092B-C50C-407E-A947-70E740481C1C}">
+                <a14:useLocalDpi xmlns:a14="http://schemas.microsoft.com/office/drawing/2010/main" val="0"/>
+              </a:ext>
+            </a:extLst>
+          </a:blip>
+          <a:srcRect t="4699" b="4699"/>
+          <a:stretch/>
+        </p:blipFill>
+        <p:spPr>
+          <a:xfrm>
+            <a:off x="52732" y="213190"/>
+            <a:ext cx="274955" cy="323850"/>
+          </a:xfrm>
+          <a:prstGeom prst="ellipse">
+            <a:avLst/>
+          </a:prstGeom>
+        </p:spPr>
+      </p:pic>
+      <p:pic>
+        <p:nvPicPr>
+          <p:cNvPr id="7" name="2s">
+            <a:extLst>
+              <a:ext uri="{FF2B5EF4-FFF2-40B4-BE49-F238E27FC236}">
+                <a16:creationId xmlns:a16="http://schemas.microsoft.com/office/drawing/2014/main" id="{657740D2-108C-BF50-02FB-4C31AC9329C4}"/>
+              </a:ext>
+            </a:extLst>
+          </p:cNvPr>
+          <p:cNvPicPr>
+            <a:picLocks noChangeAspect="1" noChangeArrowheads="1"/>
+          </p:cNvPicPr>
+          <p:nvPr/>
+        </p:nvPicPr>
+        <p:blipFill rotWithShape="1">
+          <a:blip r:embed="rId2">
+            <a:alphaModFix amt="70000"/>
+            <a:duotone>
+              <a:schemeClr val="accent2">
+                <a:shade val="45000"/>
+                <a:satMod val="135000"/>
+              </a:schemeClr>
+              <a:prstClr val="white"/>
+            </a:duotone>
+            <a:extLst>
+              <a:ext uri="{28A0092B-C50C-407E-A947-70E740481C1C}">
+                <a14:useLocalDpi xmlns:a14="http://schemas.microsoft.com/office/drawing/2010/main" val="0"/>
+              </a:ext>
+            </a:extLst>
+          </a:blip>
+          <a:srcRect b="25035"/>
+          <a:stretch/>
+        </p:blipFill>
+        <p:spPr bwMode="auto">
+          <a:xfrm flipH="1">
+            <a:off x="-62582" y="127834"/>
+            <a:ext cx="545858" cy="409205"/>
+          </a:xfrm>
+          <a:prstGeom prst="ellipse">
+            <a:avLst/>
+          </a:prstGeom>
+          <a:noFill/>
+          <a:extLst>
+            <a:ext uri="{909E8E84-426E-40DD-AFC4-6F175D3DCCD1}">
+              <a14:hiddenFill xmlns:a14="http://schemas.microsoft.com/office/drawing/2010/main">
+                <a:solidFill>
+                  <a:srgbClr val="FFFFFF"/>
+                </a:solidFill>
+              </a14:hiddenFill>
+            </a:ext>
+          </a:extLst>
+        </p:spPr>
+      </p:pic>
+    </p:spTree>
+    <p:extLst>
+      <p:ext uri="{BB962C8B-B14F-4D97-AF65-F5344CB8AC3E}">
+        <p14:creationId xmlns:p14="http://schemas.microsoft.com/office/powerpoint/2010/main" val="1283274742"/>
+      </p:ext>
+    </p:extLst>
+  </p:cSld>
+  <p:clrMapOvr>
+    <a:masterClrMapping/>
+  </p:clrMapOvr>
+  <mc:AlternateContent xmlns:mc="http://schemas.openxmlformats.org/markup-compatibility/2006" xmlns:p14="http://schemas.microsoft.com/office/powerpoint/2010/main">
+    <mc:Choice Requires="p14">
+      <p:transition spd="slow" p14:dur="3000"/>
+    </mc:Choice>
+    <mc:Fallback xmlns="">
+      <p:transition spd="slow"/>
+    </mc:Fallback>
+  </mc:AlternateContent>
+  <p:timing>
+    <p:tnLst>
+      <p:par>
+        <p:cTn id="1" dur="indefinite" restart="never" nodeType="tmRoot">
+          <p:childTnLst>
+            <p:seq concurrent="1" nextAc="seek">
+              <p:cTn id="2" dur="indefinite" nodeType="mainSeq">
+                <p:childTnLst>
+                  <p:par>
+                    <p:cTn id="3" fill="hold">
+                      <p:stCondLst>
+                        <p:cond delay="indefinite"/>
+                        <p:cond evt="onBegin" delay="0">
+                          <p:tn val="2"/>
+                        </p:cond>
+                      </p:stCondLst>
+                      <p:childTnLst>
+                        <p:par>
+                          <p:cTn id="4" fill="hold">
+                            <p:stCondLst>
+                              <p:cond delay="0"/>
+                            </p:stCondLst>
+                            <p:childTnLst>
+                              <p:par>
+                                <p:cTn id="5" presetID="6" presetClass="exit" presetSubtype="32" fill="hold" nodeType="withEffect">
+                                  <p:stCondLst>
+                                    <p:cond delay="0"/>
+                                  </p:stCondLst>
+                                  <p:childTnLst>
+                                    <p:animEffect transition="out" filter="circle(out)">
+                                      <p:cBhvr>
+                                        <p:cTn id="6" dur="2000"/>
+                                        <p:tgtEl>
+                                          <p:spTgt spid="7"/>
+                                        </p:tgtEl>
+                                      </p:cBhvr>
+                                    </p:animEffect>
+                                    <p:set>
+                                      <p:cBhvr>
+                                        <p:cTn id="7" dur="1" fill="hold">
+                                          <p:stCondLst>
+                                            <p:cond delay="1999"/>
+                                          </p:stCondLst>
+                                        </p:cTn>
+                                        <p:tgtEl>
+                                          <p:spTgt spid="7"/>
+                                        </p:tgtEl>
+                                        <p:attrNameLst>
+                                          <p:attrName>style.visibility</p:attrName>
+                                        </p:attrNameLst>
+                                      </p:cBhvr>
+                                      <p:to>
+                                        <p:strVal val="hidden"/>
+                                      </p:to>
+                                    </p:set>
+                                  </p:childTnLst>
+                                </p:cTn>
+                              </p:par>
+                              <p:par>
+                                <p:cTn id="8" presetID="6" presetClass="exit" presetSubtype="32" fill="hold" nodeType="withEffect">
+                                  <p:stCondLst>
+                                    <p:cond delay="0"/>
+                                  </p:stCondLst>
+                                  <p:childTnLst>
+                                    <p:animEffect transition="out" filter="circle(out)">
+                                      <p:cBhvr>
+                                        <p:cTn id="9" dur="2000"/>
+                                        <p:tgtEl>
+                                          <p:spTgt spid="1029"/>
+                                        </p:tgtEl>
+                                      </p:cBhvr>
+                                    </p:animEffect>
+                                    <p:set>
+                                      <p:cBhvr>
+                                        <p:cTn id="10" dur="1" fill="hold">
+                                          <p:stCondLst>
+                                            <p:cond delay="1999"/>
+                                          </p:stCondLst>
+                                        </p:cTn>
+                                        <p:tgtEl>
+                                          <p:spTgt spid="1029"/>
+                                        </p:tgtEl>
+                                        <p:attrNameLst>
+                                          <p:attrName>style.visibility</p:attrName>
+                                        </p:attrNameLst>
+                                      </p:cBhvr>
+                                      <p:to>
+                                        <p:strVal val="hidden"/>
+                                      </p:to>
+                                    </p:set>
+                                  </p:childTnLst>
+                                </p:cTn>
+                              </p:par>
+                            </p:childTnLst>
+                          </p:cTn>
+                        </p:par>
+                      </p:childTnLst>
+                    </p:cTn>
+                  </p:par>
+                </p:childTnLst>
+              </p:cTn>
+              <p:prevCondLst>
+                <p:cond evt="onPrev" delay="0">
+                  <p:tgtEl>
+                    <p:sldTgt/>
+                  </p:tgtEl>
+                </p:cond>
+              </p:prevCondLst>
+              <p:nextCondLst>
+                <p:cond evt="onNext" delay="0">
+                  <p:tgtEl>
+                    <p:sldTgt/>
+                  </p:tgtEl>
+                </p:cond>
+              </p:nextCondLst>
+            </p:seq>
+          </p:childTnLst>
+        </p:cTn>
+      </p:par>
+    </p:tnLst>
+  </p:timing>
+</p:sld>
+</file>
+
+<file path=ppt/slides/slide4.xml><?xml version="1.0" encoding="utf-8"?>
+<p:sld xmlns:a="http://schemas.openxmlformats.org/drawingml/2006/main" xmlns:r="http://schemas.openxmlformats.org/officeDocument/2006/relationships" xmlns:p="http://schemas.openxmlformats.org/presentationml/2006/main">
+  <p:cSld>
+    <p:spTree>
+      <p:nvGrpSpPr>
+        <p:cNvPr id="1" name="">
+          <a:extLst>
+            <a:ext uri="{FF2B5EF4-FFF2-40B4-BE49-F238E27FC236}">
+              <a16:creationId xmlns:a16="http://schemas.microsoft.com/office/drawing/2014/main" id="{E07C7E2E-B7C9-C215-70D1-D6263B2B5A3D}"/>
+            </a:ext>
+          </a:extLst>
+        </p:cNvPr>
+        <p:cNvGrpSpPr/>
+        <p:nvPr/>
+      </p:nvGrpSpPr>
+      <p:grpSpPr>
+        <a:xfrm>
+          <a:off x="0" y="0"/>
+          <a:ext cx="0" cy="0"/>
+          <a:chOff x="0" y="0"/>
+          <a:chExt cx="0" cy="0"/>
+        </a:xfrm>
+      </p:grpSpPr>
+      <p:pic>
+        <p:nvPicPr>
+          <p:cNvPr id="1029" name="Picture 5">
+            <a:extLst>
+              <a:ext uri="{FF2B5EF4-FFF2-40B4-BE49-F238E27FC236}">
+                <a16:creationId xmlns:a16="http://schemas.microsoft.com/office/drawing/2014/main" id="{152CFB81-FAE9-87D1-52AB-6DB004CF5FC5}"/>
+              </a:ext>
+            </a:extLst>
+          </p:cNvPr>
+          <p:cNvPicPr>
+            <a:picLocks noChangeAspect="1" noChangeArrowheads="1"/>
+          </p:cNvPicPr>
+          <p:nvPr/>
+        </p:nvPicPr>
+        <p:blipFill rotWithShape="1">
+          <a:blip r:embed="rId2">
+            <a:extLst>
+              <a:ext uri="{28A0092B-C50C-407E-A947-70E740481C1C}">
+                <a14:useLocalDpi xmlns:a14="http://schemas.microsoft.com/office/drawing/2010/main" val="0"/>
+              </a:ext>
+            </a:extLst>
+          </a:blip>
+          <a:srcRect b="25035"/>
+          <a:stretch/>
+        </p:blipFill>
+        <p:spPr bwMode="auto">
+          <a:xfrm>
+            <a:off x="-128236" y="29400"/>
+            <a:ext cx="677165" cy="507639"/>
+          </a:xfrm>
+          <a:prstGeom prst="ellipse">
+            <a:avLst/>
+          </a:prstGeom>
+          <a:noFill/>
+          <a:extLst>
+            <a:ext uri="{909E8E84-426E-40DD-AFC4-6F175D3DCCD1}">
+              <a14:hiddenFill xmlns:a14="http://schemas.microsoft.com/office/drawing/2010/main">
+                <a:solidFill>
+                  <a:srgbClr val="FFFFFF"/>
+                </a:solidFill>
+              </a14:hiddenFill>
+            </a:ext>
+          </a:extLst>
+        </p:spPr>
+      </p:pic>
+      <p:pic>
+        <p:nvPicPr>
+          <p:cNvPr id="3" name="p">
+            <a:extLst>
+              <a:ext uri="{FF2B5EF4-FFF2-40B4-BE49-F238E27FC236}">
+                <a16:creationId xmlns:a16="http://schemas.microsoft.com/office/drawing/2014/main" id="{AC446393-17DB-E658-0D4E-4FE3ED9FEE2B}"/>
+              </a:ext>
+            </a:extLst>
+          </p:cNvPr>
+          <p:cNvPicPr>
+            <a:picLocks noChangeAspect="1"/>
+          </p:cNvPicPr>
+          <p:nvPr/>
+        </p:nvPicPr>
+        <p:blipFill>
+          <a:blip r:embed="rId3">
+            <a:extLst>
+              <a:ext uri="{28A0092B-C50C-407E-A947-70E740481C1C}">
+                <a14:useLocalDpi xmlns:a14="http://schemas.microsoft.com/office/drawing/2010/main" val="0"/>
+              </a:ext>
+            </a:extLst>
+          </a:blip>
+          <a:srcRect t="4699" b="4699"/>
+          <a:stretch/>
+        </p:blipFill>
+        <p:spPr>
+          <a:xfrm>
+            <a:off x="52732" y="213190"/>
+            <a:ext cx="274955" cy="323850"/>
+          </a:xfrm>
+          <a:prstGeom prst="ellipse">
+            <a:avLst/>
+          </a:prstGeom>
+        </p:spPr>
+      </p:pic>
+      <p:pic>
+        <p:nvPicPr>
+          <p:cNvPr id="7" name="2s">
+            <a:extLst>
+              <a:ext uri="{FF2B5EF4-FFF2-40B4-BE49-F238E27FC236}">
+                <a16:creationId xmlns:a16="http://schemas.microsoft.com/office/drawing/2014/main" id="{B2DD995E-B868-BE7F-CEED-A4D1117AE0D2}"/>
+              </a:ext>
+            </a:extLst>
+          </p:cNvPr>
+          <p:cNvPicPr>
+            <a:picLocks noChangeAspect="1" noChangeArrowheads="1"/>
+          </p:cNvPicPr>
+          <p:nvPr/>
+        </p:nvPicPr>
+        <p:blipFill rotWithShape="1">
+          <a:blip r:embed="rId2">
+            <a:alphaModFix amt="70000"/>
+            <a:duotone>
+              <a:schemeClr val="accent2">
+                <a:shade val="45000"/>
+                <a:satMod val="135000"/>
+              </a:schemeClr>
+              <a:prstClr val="white"/>
+            </a:duotone>
+            <a:extLst>
+              <a:ext uri="{28A0092B-C50C-407E-A947-70E740481C1C}">
+                <a14:useLocalDpi xmlns:a14="http://schemas.microsoft.com/office/drawing/2010/main" val="0"/>
+              </a:ext>
+            </a:extLst>
+          </a:blip>
+          <a:srcRect b="25035"/>
+          <a:stretch/>
+        </p:blipFill>
+        <p:spPr bwMode="auto">
+          <a:xfrm flipH="1">
+            <a:off x="-62582" y="127834"/>
+            <a:ext cx="545858" cy="409205"/>
+          </a:xfrm>
+          <a:prstGeom prst="ellipse">
+            <a:avLst/>
+          </a:prstGeom>
+          <a:noFill/>
+          <a:extLst>
+            <a:ext uri="{909E8E84-426E-40DD-AFC4-6F175D3DCCD1}">
+              <a14:hiddenFill xmlns:a14="http://schemas.microsoft.com/office/drawing/2010/main">
+                <a:solidFill>
+                  <a:srgbClr val="FFFFFF"/>
+                </a:solidFill>
+              </a14:hiddenFill>
+            </a:ext>
+          </a:extLst>
+        </p:spPr>
+      </p:pic>
+    </p:spTree>
+    <p:extLst>
+      <p:ext uri="{BB962C8B-B14F-4D97-AF65-F5344CB8AC3E}">
+        <p14:creationId xmlns:p14="http://schemas.microsoft.com/office/powerpoint/2010/main" val="894290664"/>
+      </p:ext>
+    </p:extLst>
+  </p:cSld>
+  <p:clrMapOvr>
+    <a:masterClrMapping/>
+  </p:clrMapOvr>
+  <mc:AlternateContent xmlns:mc="http://schemas.openxmlformats.org/markup-compatibility/2006" xmlns:p14="http://schemas.microsoft.com/office/powerpoint/2010/main">
+    <mc:Choice Requires="p14">
+      <p:transition spd="slow" p14:dur="3000"/>
+    </mc:Choice>
+    <mc:Fallback xmlns="">
+      <p:transition spd="slow"/>
+    </mc:Fallback>
+  </mc:AlternateContent>
+  <p:timing>
+    <p:tnLst>
+      <p:par>
+        <p:cTn id="1" dur="indefinite" restart="never" nodeType="tmRoot">
+          <p:childTnLst>
+            <p:seq concurrent="1" nextAc="seek">
+              <p:cTn id="2" dur="indefinite" nodeType="mainSeq">
+                <p:childTnLst>
+                  <p:par>
+                    <p:cTn id="3" fill="hold">
+                      <p:stCondLst>
+                        <p:cond delay="indefinite"/>
+                        <p:cond evt="onBegin" delay="0">
+                          <p:tn val="2"/>
+                        </p:cond>
+                      </p:stCondLst>
+                      <p:childTnLst>
+                        <p:par>
+                          <p:cTn id="4" fill="hold">
+                            <p:stCondLst>
+                              <p:cond delay="0"/>
+                            </p:stCondLst>
+                            <p:childTnLst>
+                              <p:par>
+                                <p:cTn id="5" presetID="6" presetClass="exit" presetSubtype="32" fill="hold" nodeType="withEffect">
+                                  <p:stCondLst>
+                                    <p:cond delay="0"/>
+                                  </p:stCondLst>
+                                  <p:childTnLst>
+                                    <p:animEffect transition="out" filter="circle(out)">
+                                      <p:cBhvr>
+                                        <p:cTn id="6" dur="2000"/>
+                                        <p:tgtEl>
+                                          <p:spTgt spid="7"/>
+                                        </p:tgtEl>
+                                      </p:cBhvr>
+                                    </p:animEffect>
+                                    <p:set>
+                                      <p:cBhvr>
+                                        <p:cTn id="7" dur="1" fill="hold">
+                                          <p:stCondLst>
+                                            <p:cond delay="1999"/>
+                                          </p:stCondLst>
+                                        </p:cTn>
+                                        <p:tgtEl>
+                                          <p:spTgt spid="7"/>
+                                        </p:tgtEl>
+                                        <p:attrNameLst>
+                                          <p:attrName>style.visibility</p:attrName>
+                                        </p:attrNameLst>
+                                      </p:cBhvr>
+                                      <p:to>
+                                        <p:strVal val="hidden"/>
+                                      </p:to>
+                                    </p:set>
+                                  </p:childTnLst>
+                                </p:cTn>
+                              </p:par>
+                              <p:par>
+                                <p:cTn id="8" presetID="6" presetClass="exit" presetSubtype="32" fill="hold" nodeType="withEffect">
+                                  <p:stCondLst>
+                                    <p:cond delay="0"/>
+                                  </p:stCondLst>
+                                  <p:childTnLst>
+                                    <p:animEffect transition="out" filter="circle(out)">
+                                      <p:cBhvr>
+                                        <p:cTn id="9" dur="2000"/>
+                                        <p:tgtEl>
+                                          <p:spTgt spid="1029"/>
+                                        </p:tgtEl>
+                                      </p:cBhvr>
+                                    </p:animEffect>
+                                    <p:set>
+                                      <p:cBhvr>
+                                        <p:cTn id="10" dur="1" fill="hold">
+                                          <p:stCondLst>
+                                            <p:cond delay="1999"/>
+                                          </p:stCondLst>
+                                        </p:cTn>
+                                        <p:tgtEl>
+                                          <p:spTgt spid="1029"/>
+                                        </p:tgtEl>
+                                        <p:attrNameLst>
+                                          <p:attrName>style.visibility</p:attrName>
+                                        </p:attrNameLst>
+                                      </p:cBhvr>
+                                      <p:to>
+                                        <p:strVal val="hidden"/>
+                                      </p:to>
+                                    </p:set>
+                                  </p:childTnLst>
+                                </p:cTn>
+                              </p:par>
+                            </p:childTnLst>
+                          </p:cTn>
+                        </p:par>
+                      </p:childTnLst>
+                    </p:cTn>
+                  </p:par>
+                </p:childTnLst>
+              </p:cTn>
+              <p:prevCondLst>
+                <p:cond evt="onPrev" delay="0">
+                  <p:tgtEl>
+                    <p:sldTgt/>
+                  </p:tgtEl>
+                </p:cond>
+              </p:prevCondLst>
+              <p:nextCondLst>
+                <p:cond evt="onNext" delay="0">
+                  <p:tgtEl>
+                    <p:sldTgt/>
+                  </p:tgtEl>
+                </p:cond>
+              </p:nextCondLst>
+            </p:seq>
+          </p:childTnLst>
+        </p:cTn>
+      </p:par>
+    </p:tnLst>
+  </p:timing>
+</p:sld>
+</file>
+
+<file path=ppt/slides/slide5.xml><?xml version="1.0" encoding="utf-8"?>
+<p:sld xmlns:a="http://schemas.openxmlformats.org/drawingml/2006/main" xmlns:r="http://schemas.openxmlformats.org/officeDocument/2006/relationships" xmlns:p="http://schemas.openxmlformats.org/presentationml/2006/main">
+  <p:cSld>
+    <p:spTree>
+      <p:nvGrpSpPr>
+        <p:cNvPr id="1" name="">
+          <a:extLst>
+            <a:ext uri="{FF2B5EF4-FFF2-40B4-BE49-F238E27FC236}">
+              <a16:creationId xmlns:a16="http://schemas.microsoft.com/office/drawing/2014/main" id="{EE6DE8D3-8870-86ED-F1A0-94A3A52BEC85}"/>
+            </a:ext>
+          </a:extLst>
+        </p:cNvPr>
+        <p:cNvGrpSpPr/>
+        <p:nvPr/>
+      </p:nvGrpSpPr>
+      <p:grpSpPr>
+        <a:xfrm>
+          <a:off x="0" y="0"/>
+          <a:ext cx="0" cy="0"/>
+          <a:chOff x="0" y="0"/>
+          <a:chExt cx="0" cy="0"/>
+        </a:xfrm>
+      </p:grpSpPr>
+      <p:pic>
+        <p:nvPicPr>
+          <p:cNvPr id="1029" name="Picture 5">
+            <a:extLst>
+              <a:ext uri="{FF2B5EF4-FFF2-40B4-BE49-F238E27FC236}">
+                <a16:creationId xmlns:a16="http://schemas.microsoft.com/office/drawing/2014/main" id="{9C556D19-87E5-F3A1-656A-5B12C1653C65}"/>
+              </a:ext>
+            </a:extLst>
+          </p:cNvPr>
+          <p:cNvPicPr>
+            <a:picLocks noChangeAspect="1" noChangeArrowheads="1"/>
+          </p:cNvPicPr>
+          <p:nvPr/>
+        </p:nvPicPr>
+        <p:blipFill rotWithShape="1">
+          <a:blip r:embed="rId2">
+            <a:extLst>
+              <a:ext uri="{28A0092B-C50C-407E-A947-70E740481C1C}">
+                <a14:useLocalDpi xmlns:a14="http://schemas.microsoft.com/office/drawing/2010/main" val="0"/>
+              </a:ext>
+            </a:extLst>
+          </a:blip>
+          <a:srcRect b="25035"/>
+          <a:stretch/>
+        </p:blipFill>
+        <p:spPr bwMode="auto">
+          <a:xfrm>
+            <a:off x="-128236" y="29400"/>
+            <a:ext cx="677165" cy="507639"/>
+          </a:xfrm>
+          <a:prstGeom prst="ellipse">
+            <a:avLst/>
+          </a:prstGeom>
+          <a:noFill/>
+          <a:extLst>
+            <a:ext uri="{909E8E84-426E-40DD-AFC4-6F175D3DCCD1}">
+              <a14:hiddenFill xmlns:a14="http://schemas.microsoft.com/office/drawing/2010/main">
+                <a:solidFill>
+                  <a:srgbClr val="FFFFFF"/>
+                </a:solidFill>
+              </a14:hiddenFill>
+            </a:ext>
+          </a:extLst>
+        </p:spPr>
+      </p:pic>
+      <p:pic>
+        <p:nvPicPr>
+          <p:cNvPr id="3" name="u">
+            <a:extLst>
+              <a:ext uri="{FF2B5EF4-FFF2-40B4-BE49-F238E27FC236}">
+                <a16:creationId xmlns:a16="http://schemas.microsoft.com/office/drawing/2014/main" id="{D1B613A8-19EB-7018-AB17-7C3CD0571A4A}"/>
+              </a:ext>
+            </a:extLst>
+          </p:cNvPr>
+          <p:cNvPicPr>
+            <a:picLocks noChangeAspect="1"/>
+          </p:cNvPicPr>
+          <p:nvPr/>
+        </p:nvPicPr>
+        <p:blipFill>
+          <a:blip r:embed="rId3">
+            <a:extLst>
+              <a:ext uri="{28A0092B-C50C-407E-A947-70E740481C1C}">
+                <a14:useLocalDpi xmlns:a14="http://schemas.microsoft.com/office/drawing/2010/main" val="0"/>
+              </a:ext>
+            </a:extLst>
+          </a:blip>
+          <a:srcRect t="4699" b="4699"/>
+          <a:stretch/>
+        </p:blipFill>
+        <p:spPr>
+          <a:xfrm>
+            <a:off x="52732" y="213190"/>
+            <a:ext cx="274955" cy="323850"/>
+          </a:xfrm>
+          <a:prstGeom prst="ellipse">
+            <a:avLst/>
+          </a:prstGeom>
+        </p:spPr>
+      </p:pic>
+      <p:pic>
+        <p:nvPicPr>
+          <p:cNvPr id="7" name="2s">
+            <a:extLst>
+              <a:ext uri="{FF2B5EF4-FFF2-40B4-BE49-F238E27FC236}">
+                <a16:creationId xmlns:a16="http://schemas.microsoft.com/office/drawing/2014/main" id="{7C46B93A-0712-A823-CE89-9A281CDA45B3}"/>
+              </a:ext>
+            </a:extLst>
+          </p:cNvPr>
+          <p:cNvPicPr>
+            <a:picLocks noChangeAspect="1" noChangeArrowheads="1"/>
+          </p:cNvPicPr>
+          <p:nvPr/>
+        </p:nvPicPr>
+        <p:blipFill rotWithShape="1">
+          <a:blip r:embed="rId2">
+            <a:alphaModFix amt="70000"/>
+            <a:duotone>
+              <a:schemeClr val="accent2">
+                <a:shade val="45000"/>
+                <a:satMod val="135000"/>
+              </a:schemeClr>
+              <a:prstClr val="white"/>
+            </a:duotone>
+            <a:extLst>
+              <a:ext uri="{28A0092B-C50C-407E-A947-70E740481C1C}">
+                <a14:useLocalDpi xmlns:a14="http://schemas.microsoft.com/office/drawing/2010/main" val="0"/>
+              </a:ext>
+            </a:extLst>
+          </a:blip>
+          <a:srcRect b="25035"/>
+          <a:stretch/>
+        </p:blipFill>
+        <p:spPr bwMode="auto">
+          <a:xfrm flipH="1">
+            <a:off x="-62582" y="127834"/>
+            <a:ext cx="545858" cy="409205"/>
+          </a:xfrm>
+          <a:prstGeom prst="ellipse">
+            <a:avLst/>
+          </a:prstGeom>
+          <a:noFill/>
+          <a:extLst>
+            <a:ext uri="{909E8E84-426E-40DD-AFC4-6F175D3DCCD1}">
+              <a14:hiddenFill xmlns:a14="http://schemas.microsoft.com/office/drawing/2010/main">
+                <a:solidFill>
+                  <a:srgbClr val="FFFFFF"/>
+                </a:solidFill>
+              </a14:hiddenFill>
+            </a:ext>
+          </a:extLst>
+        </p:spPr>
+      </p:pic>
+    </p:spTree>
+    <p:extLst>
+      <p:ext uri="{BB962C8B-B14F-4D97-AF65-F5344CB8AC3E}">
+        <p14:creationId xmlns:p14="http://schemas.microsoft.com/office/powerpoint/2010/main" val="2854495289"/>
+      </p:ext>
+    </p:extLst>
+  </p:cSld>
+  <p:clrMapOvr>
+    <a:masterClrMapping/>
+  </p:clrMapOvr>
+  <mc:AlternateContent xmlns:mc="http://schemas.openxmlformats.org/markup-compatibility/2006" xmlns:p14="http://schemas.microsoft.com/office/powerpoint/2010/main">
+    <mc:Choice Requires="p14">
+      <p:transition spd="slow" p14:dur="3000"/>
+    </mc:Choice>
+    <mc:Fallback xmlns="">
+      <p:transition spd="slow"/>
+    </mc:Fallback>
+  </mc:AlternateContent>
+  <p:timing>
+    <p:tnLst>
+      <p:par>
+        <p:cTn id="1" dur="indefinite" restart="never" nodeType="tmRoot">
+          <p:childTnLst>
+            <p:seq concurrent="1" nextAc="seek">
+              <p:cTn id="2" dur="indefinite" nodeType="mainSeq">
+                <p:childTnLst>
+                  <p:par>
+                    <p:cTn id="3" fill="hold">
+                      <p:stCondLst>
+                        <p:cond delay="indefinite"/>
+                        <p:cond evt="onBegin" delay="0">
+                          <p:tn val="2"/>
+                        </p:cond>
+                      </p:stCondLst>
+                      <p:childTnLst>
+                        <p:par>
+                          <p:cTn id="4" fill="hold">
+                            <p:stCondLst>
+                              <p:cond delay="0"/>
+                            </p:stCondLst>
+                            <p:childTnLst>
+                              <p:par>
+                                <p:cTn id="5" presetID="6" presetClass="exit" presetSubtype="32" fill="hold" nodeType="withEffect">
+                                  <p:stCondLst>
+                                    <p:cond delay="0"/>
+                                  </p:stCondLst>
+                                  <p:childTnLst>
+                                    <p:animEffect transition="out" filter="circle(out)">
+                                      <p:cBhvr>
+                                        <p:cTn id="6" dur="2000"/>
+                                        <p:tgtEl>
+                                          <p:spTgt spid="7"/>
+                                        </p:tgtEl>
+                                      </p:cBhvr>
+                                    </p:animEffect>
+                                    <p:set>
+                                      <p:cBhvr>
+                                        <p:cTn id="7" dur="1" fill="hold">
+                                          <p:stCondLst>
+                                            <p:cond delay="1999"/>
+                                          </p:stCondLst>
+                                        </p:cTn>
+                                        <p:tgtEl>
+                                          <p:spTgt spid="7"/>
+                                        </p:tgtEl>
+                                        <p:attrNameLst>
+                                          <p:attrName>style.visibility</p:attrName>
+                                        </p:attrNameLst>
+                                      </p:cBhvr>
+                                      <p:to>
+                                        <p:strVal val="hidden"/>
+                                      </p:to>
+                                    </p:set>
+                                  </p:childTnLst>
+                                </p:cTn>
+                              </p:par>
+                              <p:par>
+                                <p:cTn id="8" presetID="6" presetClass="exit" presetSubtype="32" fill="hold" nodeType="withEffect">
+                                  <p:stCondLst>
+                                    <p:cond delay="0"/>
+                                  </p:stCondLst>
+                                  <p:childTnLst>
+                                    <p:animEffect transition="out" filter="circle(out)">
+                                      <p:cBhvr>
+                                        <p:cTn id="9" dur="2000"/>
+                                        <p:tgtEl>
+                                          <p:spTgt spid="1029"/>
+                                        </p:tgtEl>
+                                      </p:cBhvr>
+                                    </p:animEffect>
+                                    <p:set>
+                                      <p:cBhvr>
+                                        <p:cTn id="10" dur="1" fill="hold">
+                                          <p:stCondLst>
+                                            <p:cond delay="1999"/>
+                                          </p:stCondLst>
+                                        </p:cTn>
+                                        <p:tgtEl>
+                                          <p:spTgt spid="1029"/>
+                                        </p:tgtEl>
+                                        <p:attrNameLst>
+                                          <p:attrName>style.visibility</p:attrName>
+                                        </p:attrNameLst>
+                                      </p:cBhvr>
+                                      <p:to>
+                                        <p:strVal val="hidden"/>
+                                      </p:to>
+                                    </p:set>
+                                  </p:childTnLst>
+                                </p:cTn>
+                              </p:par>
+                            </p:childTnLst>
+                          </p:cTn>
+                        </p:par>
+                      </p:childTnLst>
+                    </p:cTn>
+                  </p:par>
+                </p:childTnLst>
+              </p:cTn>
+              <p:prevCondLst>
+                <p:cond evt="onPrev" delay="0">
+                  <p:tgtEl>
+                    <p:sldTgt/>
+                  </p:tgtEl>
+                </p:cond>
+              </p:prevCondLst>
+              <p:nextCondLst>
+                <p:cond evt="onNext" delay="0">
+                  <p:tgtEl>
+                    <p:sldTgt/>
+                  </p:tgtEl>
+                </p:cond>
+              </p:nextCondLst>
+            </p:seq>
+          </p:childTnLst>
+        </p:cTn>
+      </p:par>
+    </p:tnLst>
+  </p:timing>
+</p:sld>
+</file>
+
+<file path=ppt/slides/slide6.xml><?xml version="1.0" encoding="utf-8"?>
+<p:sld xmlns:a="http://schemas.openxmlformats.org/drawingml/2006/main" xmlns:r="http://schemas.openxmlformats.org/officeDocument/2006/relationships" xmlns:p="http://schemas.openxmlformats.org/presentationml/2006/main">
+  <p:cSld>
+    <p:spTree>
+      <p:nvGrpSpPr>
+        <p:cNvPr id="1" name="">
+          <a:extLst>
+            <a:ext uri="{FF2B5EF4-FFF2-40B4-BE49-F238E27FC236}">
+              <a16:creationId xmlns:a16="http://schemas.microsoft.com/office/drawing/2014/main" id="{9141D244-09C4-46AC-DB0F-45FD30399110}"/>
+            </a:ext>
+          </a:extLst>
+        </p:cNvPr>
+        <p:cNvGrpSpPr/>
+        <p:nvPr/>
+      </p:nvGrpSpPr>
+      <p:grpSpPr>
+        <a:xfrm>
+          <a:off x="0" y="0"/>
+          <a:ext cx="0" cy="0"/>
+          <a:chOff x="0" y="0"/>
+          <a:chExt cx="0" cy="0"/>
+        </a:xfrm>
+      </p:grpSpPr>
+      <p:pic>
+        <p:nvPicPr>
+          <p:cNvPr id="1029" name="Picture 5">
+            <a:extLst>
+              <a:ext uri="{FF2B5EF4-FFF2-40B4-BE49-F238E27FC236}">
+                <a16:creationId xmlns:a16="http://schemas.microsoft.com/office/drawing/2014/main" id="{4BC51364-F428-CD21-8058-6B8BF8124B65}"/>
+              </a:ext>
+            </a:extLst>
+          </p:cNvPr>
+          <p:cNvPicPr>
+            <a:picLocks noChangeAspect="1" noChangeArrowheads="1"/>
+          </p:cNvPicPr>
+          <p:nvPr/>
+        </p:nvPicPr>
+        <p:blipFill rotWithShape="1">
+          <a:blip r:embed="rId2">
+            <a:extLst>
+              <a:ext uri="{28A0092B-C50C-407E-A947-70E740481C1C}">
+                <a14:useLocalDpi xmlns:a14="http://schemas.microsoft.com/office/drawing/2010/main" val="0"/>
+              </a:ext>
+            </a:extLst>
+          </a:blip>
+          <a:srcRect b="25035"/>
+          <a:stretch/>
+        </p:blipFill>
+        <p:spPr bwMode="auto">
+          <a:xfrm>
+            <a:off x="-128236" y="29400"/>
+            <a:ext cx="677165" cy="507639"/>
+          </a:xfrm>
+          <a:prstGeom prst="ellipse">
+            <a:avLst/>
+          </a:prstGeom>
+          <a:noFill/>
+          <a:extLst>
+            <a:ext uri="{909E8E84-426E-40DD-AFC4-6F175D3DCCD1}">
+              <a14:hiddenFill xmlns:a14="http://schemas.microsoft.com/office/drawing/2010/main">
+                <a:solidFill>
+                  <a:srgbClr val="FFFFFF"/>
+                </a:solidFill>
+              </a14:hiddenFill>
+            </a:ext>
+          </a:extLst>
+        </p:spPr>
+      </p:pic>
+      <p:pic>
+        <p:nvPicPr>
+          <p:cNvPr id="3" name="y">
+            <a:extLst>
+              <a:ext uri="{FF2B5EF4-FFF2-40B4-BE49-F238E27FC236}">
+                <a16:creationId xmlns:a16="http://schemas.microsoft.com/office/drawing/2014/main" id="{94BBF2C1-0809-55FB-FAF2-F208D1E264AD}"/>
+              </a:ext>
+            </a:extLst>
+          </p:cNvPr>
+          <p:cNvPicPr>
+            <a:picLocks noChangeAspect="1"/>
+          </p:cNvPicPr>
+          <p:nvPr/>
+        </p:nvPicPr>
+        <p:blipFill>
+          <a:blip r:embed="rId3">
+            <a:extLst>
+              <a:ext uri="{28A0092B-C50C-407E-A947-70E740481C1C}">
+                <a14:useLocalDpi xmlns:a14="http://schemas.microsoft.com/office/drawing/2010/main" val="0"/>
+              </a:ext>
+            </a:extLst>
+          </a:blip>
+          <a:srcRect t="4699" b="4699"/>
+          <a:stretch/>
+        </p:blipFill>
+        <p:spPr>
+          <a:xfrm>
+            <a:off x="52732" y="213190"/>
+            <a:ext cx="274955" cy="323850"/>
+          </a:xfrm>
+          <a:prstGeom prst="ellipse">
+            <a:avLst/>
+          </a:prstGeom>
+        </p:spPr>
+      </p:pic>
+      <p:pic>
+        <p:nvPicPr>
+          <p:cNvPr id="7" name="2s">
+            <a:extLst>
+              <a:ext uri="{FF2B5EF4-FFF2-40B4-BE49-F238E27FC236}">
+                <a16:creationId xmlns:a16="http://schemas.microsoft.com/office/drawing/2014/main" id="{91CD1597-610B-A3B0-E2EC-4D11946DDF9B}"/>
+              </a:ext>
+            </a:extLst>
+          </p:cNvPr>
+          <p:cNvPicPr>
+            <a:picLocks noChangeAspect="1" noChangeArrowheads="1"/>
+          </p:cNvPicPr>
+          <p:nvPr/>
+        </p:nvPicPr>
+        <p:blipFill rotWithShape="1">
+          <a:blip r:embed="rId2">
+            <a:alphaModFix amt="70000"/>
+            <a:duotone>
+              <a:schemeClr val="accent2">
+                <a:shade val="45000"/>
+                <a:satMod val="135000"/>
+              </a:schemeClr>
+              <a:prstClr val="white"/>
+            </a:duotone>
+            <a:extLst>
+              <a:ext uri="{28A0092B-C50C-407E-A947-70E740481C1C}">
+                <a14:useLocalDpi xmlns:a14="http://schemas.microsoft.com/office/drawing/2010/main" val="0"/>
+              </a:ext>
+            </a:extLst>
+          </a:blip>
+          <a:srcRect b="25035"/>
+          <a:stretch/>
+        </p:blipFill>
+        <p:spPr bwMode="auto">
+          <a:xfrm flipH="1">
+            <a:off x="-62582" y="127834"/>
+            <a:ext cx="545858" cy="409205"/>
+          </a:xfrm>
+          <a:prstGeom prst="ellipse">
+            <a:avLst/>
+          </a:prstGeom>
+          <a:noFill/>
+          <a:extLst>
+            <a:ext uri="{909E8E84-426E-40DD-AFC4-6F175D3DCCD1}">
+              <a14:hiddenFill xmlns:a14="http://schemas.microsoft.com/office/drawing/2010/main">
+                <a:solidFill>
+                  <a:srgbClr val="FFFFFF"/>
+                </a:solidFill>
+              </a14:hiddenFill>
+            </a:ext>
+          </a:extLst>
+        </p:spPr>
+      </p:pic>
+    </p:spTree>
+    <p:extLst>
+      <p:ext uri="{BB962C8B-B14F-4D97-AF65-F5344CB8AC3E}">
+        <p14:creationId xmlns:p14="http://schemas.microsoft.com/office/powerpoint/2010/main" val="1886186054"/>
+      </p:ext>
+    </p:extLst>
+  </p:cSld>
+  <p:clrMapOvr>
+    <a:masterClrMapping/>
+  </p:clrMapOvr>
+  <mc:AlternateContent xmlns:mc="http://schemas.openxmlformats.org/markup-compatibility/2006" xmlns:p14="http://schemas.microsoft.com/office/powerpoint/2010/main">
+    <mc:Choice Requires="p14">
+      <p:transition spd="slow" p14:dur="3000"/>
+    </mc:Choice>
+    <mc:Fallback xmlns="">
+      <p:transition spd="slow"/>
+    </mc:Fallback>
+  </mc:AlternateContent>
+  <p:timing>
+    <p:tnLst>
+      <p:par>
+        <p:cTn id="1" dur="indefinite" restart="never" nodeType="tmRoot">
+          <p:childTnLst>
+            <p:seq concurrent="1" nextAc="seek">
+              <p:cTn id="2" dur="indefinite" nodeType="mainSeq">
+                <p:childTnLst>
+                  <p:par>
+                    <p:cTn id="3" fill="hold">
+                      <p:stCondLst>
+                        <p:cond delay="indefinite"/>
+                        <p:cond evt="onBegin" delay="0">
+                          <p:tn val="2"/>
+                        </p:cond>
+                      </p:stCondLst>
+                      <p:childTnLst>
+                        <p:par>
+                          <p:cTn id="4" fill="hold">
+                            <p:stCondLst>
+                              <p:cond delay="0"/>
+                            </p:stCondLst>
+                            <p:childTnLst>
+                              <p:par>
+                                <p:cTn id="5" presetID="6" presetClass="exit" presetSubtype="32" fill="hold" nodeType="withEffect">
+                                  <p:stCondLst>
+                                    <p:cond delay="0"/>
+                                  </p:stCondLst>
+                                  <p:childTnLst>
+                                    <p:animEffect transition="out" filter="circle(out)">
+                                      <p:cBhvr>
+                                        <p:cTn id="6" dur="2000"/>
+                                        <p:tgtEl>
+                                          <p:spTgt spid="7"/>
+                                        </p:tgtEl>
+                                      </p:cBhvr>
+                                    </p:animEffect>
+                                    <p:set>
+                                      <p:cBhvr>
+                                        <p:cTn id="7" dur="1" fill="hold">
+                                          <p:stCondLst>
+                                            <p:cond delay="1999"/>
+                                          </p:stCondLst>
+                                        </p:cTn>
+                                        <p:tgtEl>
+                                          <p:spTgt spid="7"/>
+                                        </p:tgtEl>
+                                        <p:attrNameLst>
+                                          <p:attrName>style.visibility</p:attrName>
+                                        </p:attrNameLst>
+                                      </p:cBhvr>
+                                      <p:to>
+                                        <p:strVal val="hidden"/>
+                                      </p:to>
+                                    </p:set>
+                                  </p:childTnLst>
+                                </p:cTn>
+                              </p:par>
+                              <p:par>
+                                <p:cTn id="8" presetID="6" presetClass="exit" presetSubtype="32" fill="hold" nodeType="withEffect">
+                                  <p:stCondLst>
+                                    <p:cond delay="0"/>
+                                  </p:stCondLst>
+                                  <p:childTnLst>
+                                    <p:animEffect transition="out" filter="circle(out)">
+                                      <p:cBhvr>
+                                        <p:cTn id="9" dur="2000"/>
+                                        <p:tgtEl>
+                                          <p:spTgt spid="1029"/>
+                                        </p:tgtEl>
+                                      </p:cBhvr>
+                                    </p:animEffect>
+                                    <p:set>
+                                      <p:cBhvr>
+                                        <p:cTn id="10" dur="1" fill="hold">
+                                          <p:stCondLst>
+                                            <p:cond delay="1999"/>
+                                          </p:stCondLst>
+                                        </p:cTn>
+                                        <p:tgtEl>
+                                          <p:spTgt spid="1029"/>
+                                        </p:tgtEl>
+                                        <p:attrNameLst>
+                                          <p:attrName>style.visibility</p:attrName>
+                                        </p:attrNameLst>
+                                      </p:cBhvr>
+                                      <p:to>
+                                        <p:strVal val="hidden"/>
+                                      </p:to>
+                                    </p:set>
+                                  </p:childTnLst>
+                                </p:cTn>
+                              </p:par>
+                            </p:childTnLst>
+                          </p:cTn>
+                        </p:par>
+                      </p:childTnLst>
+                    </p:cTn>
+                  </p:par>
+                </p:childTnLst>
+              </p:cTn>
+              <p:prevCondLst>
+                <p:cond evt="onPrev" delay="0">
+                  <p:tgtEl>
+                    <p:sldTgt/>
+                  </p:tgtEl>
+                </p:cond>
+              </p:prevCondLst>
+              <p:nextCondLst>
+                <p:cond evt="onNext" delay="0">
+                  <p:tgtEl>
+                    <p:sldTgt/>
+                  </p:tgtEl>
+                </p:cond>
+              </p:nextCondLst>
+            </p:seq>
+          </p:childTnLst>
+        </p:cTn>
+      </p:par>
+    </p:tnLst>
+  </p:timing>
+</p:sld>
+</file>
+
+<file path=ppt/slides/slide7.xml><?xml version="1.0" encoding="utf-8"?>
+<p:sld xmlns:a="http://schemas.openxmlformats.org/drawingml/2006/main" xmlns:r="http://schemas.openxmlformats.org/officeDocument/2006/relationships" xmlns:p="http://schemas.openxmlformats.org/presentationml/2006/main">
+  <p:cSld>
+    <p:spTree>
+      <p:nvGrpSpPr>
+        <p:cNvPr id="1" name="">
+          <a:extLst>
+            <a:ext uri="{FF2B5EF4-FFF2-40B4-BE49-F238E27FC236}">
+              <a16:creationId xmlns:a16="http://schemas.microsoft.com/office/drawing/2014/main" id="{D13E0E13-C2AB-F618-E4AC-D4B3E0C481F9}"/>
+            </a:ext>
+          </a:extLst>
+        </p:cNvPr>
+        <p:cNvGrpSpPr/>
+        <p:nvPr/>
+      </p:nvGrpSpPr>
+      <p:grpSpPr>
+        <a:xfrm>
+          <a:off x="0" y="0"/>
+          <a:ext cx="0" cy="0"/>
+          <a:chOff x="0" y="0"/>
+          <a:chExt cx="0" cy="0"/>
+        </a:xfrm>
+      </p:grpSpPr>
+      <p:pic>
+        <p:nvPicPr>
+          <p:cNvPr id="1029" name="Picture 5">
+            <a:extLst>
+              <a:ext uri="{FF2B5EF4-FFF2-40B4-BE49-F238E27FC236}">
+                <a16:creationId xmlns:a16="http://schemas.microsoft.com/office/drawing/2014/main" id="{9F5FC77A-1B48-14B7-372A-699B8420BE26}"/>
+              </a:ext>
+            </a:extLst>
+          </p:cNvPr>
+          <p:cNvPicPr>
+            <a:picLocks noChangeAspect="1" noChangeArrowheads="1"/>
+          </p:cNvPicPr>
+          <p:nvPr/>
+        </p:nvPicPr>
+        <p:blipFill rotWithShape="1">
+          <a:blip r:embed="rId2">
+            <a:extLst>
+              <a:ext uri="{28A0092B-C50C-407E-A947-70E740481C1C}">
+                <a14:useLocalDpi xmlns:a14="http://schemas.microsoft.com/office/drawing/2010/main" val="0"/>
+              </a:ext>
+            </a:extLst>
+          </a:blip>
+          <a:srcRect b="25035"/>
+          <a:stretch/>
+        </p:blipFill>
+        <p:spPr bwMode="auto">
+          <a:xfrm>
+            <a:off x="-128236" y="29400"/>
+            <a:ext cx="677165" cy="507639"/>
+          </a:xfrm>
+          <a:prstGeom prst="ellipse">
+            <a:avLst/>
+          </a:prstGeom>
+          <a:noFill/>
+          <a:extLst>
+            <a:ext uri="{909E8E84-426E-40DD-AFC4-6F175D3DCCD1}">
+              <a14:hiddenFill xmlns:a14="http://schemas.microsoft.com/office/drawing/2010/main">
+                <a:solidFill>
+                  <a:srgbClr val="FFFFFF"/>
+                </a:solidFill>
+              </a14:hiddenFill>
+            </a:ext>
+          </a:extLst>
+        </p:spPr>
+      </p:pic>
+      <p:pic>
+        <p:nvPicPr>
+          <p:cNvPr id="3" name="1">
+            <a:extLst>
+              <a:ext uri="{FF2B5EF4-FFF2-40B4-BE49-F238E27FC236}">
+                <a16:creationId xmlns:a16="http://schemas.microsoft.com/office/drawing/2014/main" id="{52503B82-46E8-0910-3954-24E6BEFA1A20}"/>
+              </a:ext>
+            </a:extLst>
+          </p:cNvPr>
+          <p:cNvPicPr>
+            <a:picLocks noChangeAspect="1"/>
+          </p:cNvPicPr>
+          <p:nvPr/>
+        </p:nvPicPr>
+        <p:blipFill>
+          <a:blip r:embed="rId3">
+            <a:extLst>
+              <a:ext uri="{28A0092B-C50C-407E-A947-70E740481C1C}">
+                <a14:useLocalDpi xmlns:a14="http://schemas.microsoft.com/office/drawing/2010/main" val="0"/>
+              </a:ext>
+            </a:extLst>
+          </a:blip>
+          <a:srcRect t="4699" b="4699"/>
+          <a:stretch/>
+        </p:blipFill>
+        <p:spPr>
+          <a:xfrm>
+            <a:off x="52732" y="213190"/>
+            <a:ext cx="274955" cy="323850"/>
+          </a:xfrm>
+          <a:prstGeom prst="ellipse">
+            <a:avLst/>
+          </a:prstGeom>
+        </p:spPr>
+      </p:pic>
+      <p:pic>
+        <p:nvPicPr>
+          <p:cNvPr id="7" name="2s">
+            <a:extLst>
+              <a:ext uri="{FF2B5EF4-FFF2-40B4-BE49-F238E27FC236}">
+                <a16:creationId xmlns:a16="http://schemas.microsoft.com/office/drawing/2014/main" id="{D6FE4078-6E4A-E16D-876C-F53521D85756}"/>
+              </a:ext>
+            </a:extLst>
+          </p:cNvPr>
+          <p:cNvPicPr>
+            <a:picLocks noChangeAspect="1" noChangeArrowheads="1"/>
+          </p:cNvPicPr>
+          <p:nvPr/>
+        </p:nvPicPr>
+        <p:blipFill rotWithShape="1">
+          <a:blip r:embed="rId2">
+            <a:alphaModFix amt="70000"/>
+            <a:duotone>
+              <a:schemeClr val="accent2">
+                <a:shade val="45000"/>
+                <a:satMod val="135000"/>
+              </a:schemeClr>
+              <a:prstClr val="white"/>
+            </a:duotone>
+            <a:extLst>
+              <a:ext uri="{28A0092B-C50C-407E-A947-70E740481C1C}">
+                <a14:useLocalDpi xmlns:a14="http://schemas.microsoft.com/office/drawing/2010/main" val="0"/>
+              </a:ext>
+            </a:extLst>
+          </a:blip>
+          <a:srcRect b="25035"/>
+          <a:stretch/>
+        </p:blipFill>
+        <p:spPr bwMode="auto">
+          <a:xfrm flipH="1">
+            <a:off x="-62582" y="127834"/>
+            <a:ext cx="545858" cy="409205"/>
+          </a:xfrm>
+          <a:prstGeom prst="ellipse">
+            <a:avLst/>
+          </a:prstGeom>
+          <a:noFill/>
+          <a:extLst>
+            <a:ext uri="{909E8E84-426E-40DD-AFC4-6F175D3DCCD1}">
+              <a14:hiddenFill xmlns:a14="http://schemas.microsoft.com/office/drawing/2010/main">
+                <a:solidFill>
+                  <a:srgbClr val="FFFFFF"/>
+                </a:solidFill>
+              </a14:hiddenFill>
+            </a:ext>
+          </a:extLst>
+        </p:spPr>
+      </p:pic>
+    </p:spTree>
+    <p:extLst>
+      <p:ext uri="{BB962C8B-B14F-4D97-AF65-F5344CB8AC3E}">
+        <p14:creationId xmlns:p14="http://schemas.microsoft.com/office/powerpoint/2010/main" val="3451579160"/>
+      </p:ext>
+    </p:extLst>
+  </p:cSld>
+  <p:clrMapOvr>
+    <a:masterClrMapping/>
+  </p:clrMapOvr>
+  <mc:AlternateContent xmlns:mc="http://schemas.openxmlformats.org/markup-compatibility/2006" xmlns:p14="http://schemas.microsoft.com/office/powerpoint/2010/main">
+    <mc:Choice Requires="p14">
+      <p:transition spd="slow" p14:dur="3000"/>
+    </mc:Choice>
+    <mc:Fallback xmlns="">
+      <p:transition spd="slow"/>
+    </mc:Fallback>
+  </mc:AlternateContent>
+  <p:timing>
+    <p:tnLst>
+      <p:par>
+        <p:cTn id="1" dur="indefinite" restart="never" nodeType="tmRoot">
+          <p:childTnLst>
+            <p:seq concurrent="1" nextAc="seek">
+              <p:cTn id="2" dur="indefinite" nodeType="mainSeq">
+                <p:childTnLst>
+                  <p:par>
+                    <p:cTn id="3" fill="hold">
+                      <p:stCondLst>
+                        <p:cond delay="indefinite"/>
+                        <p:cond evt="onBegin" delay="0">
+                          <p:tn val="2"/>
+                        </p:cond>
+                      </p:stCondLst>
+                      <p:childTnLst>
+                        <p:par>
+                          <p:cTn id="4" fill="hold">
+                            <p:stCondLst>
+                              <p:cond delay="0"/>
+                            </p:stCondLst>
+                            <p:childTnLst>
+                              <p:par>
+                                <p:cTn id="5" presetID="6" presetClass="exit" presetSubtype="32" fill="hold" nodeType="withEffect">
+                                  <p:stCondLst>
+                                    <p:cond delay="0"/>
+                                  </p:stCondLst>
+                                  <p:childTnLst>
+                                    <p:animEffect transition="out" filter="circle(out)">
+                                      <p:cBhvr>
+                                        <p:cTn id="6" dur="2000"/>
+                                        <p:tgtEl>
+                                          <p:spTgt spid="7"/>
+                                        </p:tgtEl>
+                                      </p:cBhvr>
+                                    </p:animEffect>
+                                    <p:set>
+                                      <p:cBhvr>
+                                        <p:cTn id="7" dur="1" fill="hold">
+                                          <p:stCondLst>
+                                            <p:cond delay="1999"/>
+                                          </p:stCondLst>
+                                        </p:cTn>
+                                        <p:tgtEl>
+                                          <p:spTgt spid="7"/>
+                                        </p:tgtEl>
+                                        <p:attrNameLst>
+                                          <p:attrName>style.visibility</p:attrName>
+                                        </p:attrNameLst>
+                                      </p:cBhvr>
+                                      <p:to>
+                                        <p:strVal val="hidden"/>
+                                      </p:to>
+                                    </p:set>
+                                  </p:childTnLst>
+                                </p:cTn>
+                              </p:par>
+                              <p:par>
+                                <p:cTn id="8" presetID="6" presetClass="exit" presetSubtype="32" fill="hold" nodeType="withEffect">
+                                  <p:stCondLst>
+                                    <p:cond delay="0"/>
+                                  </p:stCondLst>
+                                  <p:childTnLst>
+                                    <p:animEffect transition="out" filter="circle(out)">
+                                      <p:cBhvr>
+                                        <p:cTn id="9" dur="2000"/>
+                                        <p:tgtEl>
+                                          <p:spTgt spid="1029"/>
+                                        </p:tgtEl>
+                                      </p:cBhvr>
+                                    </p:animEffect>
+                                    <p:set>
+                                      <p:cBhvr>
+                                        <p:cTn id="10" dur="1" fill="hold">
+                                          <p:stCondLst>
+                                            <p:cond delay="1999"/>
+                                          </p:stCondLst>
+                                        </p:cTn>
+                                        <p:tgtEl>
+                                          <p:spTgt spid="1029"/>
+                                        </p:tgtEl>
+                                        <p:attrNameLst>
+                                          <p:attrName>style.visibility</p:attrName>
+                                        </p:attrNameLst>
+                                      </p:cBhvr>
+                                      <p:to>
+                                        <p:strVal val="hidden"/>
+                                      </p:to>
+                                    </p:set>
+                                  </p:childTnLst>
+                                </p:cTn>
+                              </p:par>
+                            </p:childTnLst>
+                          </p:cTn>
+                        </p:par>
+                      </p:childTnLst>
+                    </p:cTn>
+                  </p:par>
+                </p:childTnLst>
+              </p:cTn>
+              <p:prevCondLst>
+                <p:cond evt="onPrev" delay="0">
+                  <p:tgtEl>
+                    <p:sldTgt/>
+                  </p:tgtEl>
+                </p:cond>
+              </p:prevCondLst>
+              <p:nextCondLst>
+                <p:cond evt="onNext" delay="0">
+                  <p:tgtEl>
+                    <p:sldTgt/>
+                  </p:tgtEl>
+                </p:cond>
+              </p:nextCondLst>
+            </p:seq>
+          </p:childTnLst>
+        </p:cTn>
+      </p:par>
+    </p:tnLst>
+  </p:timing>
+</p:sld>
+</file>
+
+<file path=ppt/slides/slide8.xml><?xml version="1.0" encoding="utf-8"?>
+<p:sld xmlns:a="http://schemas.openxmlformats.org/drawingml/2006/main" xmlns:r="http://schemas.openxmlformats.org/officeDocument/2006/relationships" xmlns:p="http://schemas.openxmlformats.org/presentationml/2006/main">
+  <p:cSld>
+    <p:spTree>
+      <p:nvGrpSpPr>
+        <p:cNvPr id="1" name="">
+          <a:extLst>
+            <a:ext uri="{FF2B5EF4-FFF2-40B4-BE49-F238E27FC236}">
+              <a16:creationId xmlns:a16="http://schemas.microsoft.com/office/drawing/2014/main" id="{BA4682AA-811A-2758-5DDD-5A4CBF296DC3}"/>
+            </a:ext>
+          </a:extLst>
+        </p:cNvPr>
+        <p:cNvGrpSpPr/>
+        <p:nvPr/>
+      </p:nvGrpSpPr>
+      <p:grpSpPr>
+        <a:xfrm>
+          <a:off x="0" y="0"/>
+          <a:ext cx="0" cy="0"/>
+          <a:chOff x="0" y="0"/>
+          <a:chExt cx="0" cy="0"/>
+        </a:xfrm>
+      </p:grpSpPr>
+      <p:pic>
+        <p:nvPicPr>
+          <p:cNvPr id="1029" name="Picture 5">
+            <a:extLst>
+              <a:ext uri="{FF2B5EF4-FFF2-40B4-BE49-F238E27FC236}">
+                <a16:creationId xmlns:a16="http://schemas.microsoft.com/office/drawing/2014/main" id="{0B556095-15A9-62ED-9F5B-73303CA28C1B}"/>
+              </a:ext>
+            </a:extLst>
+          </p:cNvPr>
+          <p:cNvPicPr>
+            <a:picLocks noChangeAspect="1" noChangeArrowheads="1"/>
+          </p:cNvPicPr>
+          <p:nvPr/>
+        </p:nvPicPr>
+        <p:blipFill rotWithShape="1">
+          <a:blip r:embed="rId2">
+            <a:extLst>
+              <a:ext uri="{28A0092B-C50C-407E-A947-70E740481C1C}">
+                <a14:useLocalDpi xmlns:a14="http://schemas.microsoft.com/office/drawing/2010/main" val="0"/>
+              </a:ext>
+            </a:extLst>
+          </a:blip>
+          <a:srcRect b="25035"/>
+          <a:stretch/>
+        </p:blipFill>
+        <p:spPr bwMode="auto">
+          <a:xfrm>
+            <a:off x="-128236" y="29400"/>
+            <a:ext cx="677165" cy="507639"/>
+          </a:xfrm>
+          <a:prstGeom prst="ellipse">
+            <a:avLst/>
+          </a:prstGeom>
+          <a:noFill/>
+          <a:extLst>
+            <a:ext uri="{909E8E84-426E-40DD-AFC4-6F175D3DCCD1}">
+              <a14:hiddenFill xmlns:a14="http://schemas.microsoft.com/office/drawing/2010/main">
+                <a:solidFill>
+                  <a:srgbClr val="FFFFFF"/>
+                </a:solidFill>
+              </a14:hiddenFill>
+            </a:ext>
+          </a:extLst>
+        </p:spPr>
+      </p:pic>
+      <p:pic>
+        <p:nvPicPr>
+          <p:cNvPr id="3" name="2">
+            <a:extLst>
+              <a:ext uri="{FF2B5EF4-FFF2-40B4-BE49-F238E27FC236}">
+                <a16:creationId xmlns:a16="http://schemas.microsoft.com/office/drawing/2014/main" id="{49EDFA4E-99E1-289A-A6E6-EE137B17FD49}"/>
+              </a:ext>
+            </a:extLst>
+          </p:cNvPr>
+          <p:cNvPicPr>
+            <a:picLocks noChangeAspect="1"/>
+          </p:cNvPicPr>
+          <p:nvPr/>
+        </p:nvPicPr>
+        <p:blipFill>
+          <a:blip r:embed="rId3">
+            <a:extLst>
+              <a:ext uri="{28A0092B-C50C-407E-A947-70E740481C1C}">
+                <a14:useLocalDpi xmlns:a14="http://schemas.microsoft.com/office/drawing/2010/main" val="0"/>
+              </a:ext>
+            </a:extLst>
+          </a:blip>
+          <a:srcRect t="4699" b="4699"/>
+          <a:stretch/>
+        </p:blipFill>
+        <p:spPr>
+          <a:xfrm>
+            <a:off x="52732" y="213190"/>
+            <a:ext cx="274955" cy="323850"/>
+          </a:xfrm>
+          <a:prstGeom prst="ellipse">
+            <a:avLst/>
+          </a:prstGeom>
+        </p:spPr>
+      </p:pic>
+      <p:pic>
+        <p:nvPicPr>
+          <p:cNvPr id="7" name="2s">
+            <a:extLst>
+              <a:ext uri="{FF2B5EF4-FFF2-40B4-BE49-F238E27FC236}">
+                <a16:creationId xmlns:a16="http://schemas.microsoft.com/office/drawing/2014/main" id="{2CAD8B94-8784-4A0D-62D0-EEAFCFD04FA5}"/>
+              </a:ext>
+            </a:extLst>
+          </p:cNvPr>
+          <p:cNvPicPr>
+            <a:picLocks noChangeAspect="1" noChangeArrowheads="1"/>
+          </p:cNvPicPr>
+          <p:nvPr/>
+        </p:nvPicPr>
+        <p:blipFill rotWithShape="1">
+          <a:blip r:embed="rId2">
+            <a:alphaModFix amt="70000"/>
+            <a:duotone>
+              <a:schemeClr val="accent2">
+                <a:shade val="45000"/>
+                <a:satMod val="135000"/>
+              </a:schemeClr>
+              <a:prstClr val="white"/>
+            </a:duotone>
+            <a:extLst>
+              <a:ext uri="{28A0092B-C50C-407E-A947-70E740481C1C}">
+                <a14:useLocalDpi xmlns:a14="http://schemas.microsoft.com/office/drawing/2010/main" val="0"/>
+              </a:ext>
+            </a:extLst>
+          </a:blip>
+          <a:srcRect b="25035"/>
+          <a:stretch/>
+        </p:blipFill>
+        <p:spPr bwMode="auto">
+          <a:xfrm flipH="1">
+            <a:off x="-62582" y="127834"/>
+            <a:ext cx="545858" cy="409205"/>
+          </a:xfrm>
+          <a:prstGeom prst="ellipse">
+            <a:avLst/>
+          </a:prstGeom>
+          <a:noFill/>
+          <a:extLst>
+            <a:ext uri="{909E8E84-426E-40DD-AFC4-6F175D3DCCD1}">
+              <a14:hiddenFill xmlns:a14="http://schemas.microsoft.com/office/drawing/2010/main">
+                <a:solidFill>
+                  <a:srgbClr val="FFFFFF"/>
+                </a:solidFill>
+              </a14:hiddenFill>
+            </a:ext>
+          </a:extLst>
+        </p:spPr>
+      </p:pic>
+    </p:spTree>
+    <p:extLst>
+      <p:ext uri="{BB962C8B-B14F-4D97-AF65-F5344CB8AC3E}">
+        <p14:creationId xmlns:p14="http://schemas.microsoft.com/office/powerpoint/2010/main" val="681516643"/>
+      </p:ext>
+    </p:extLst>
+  </p:cSld>
+  <p:clrMapOvr>
+    <a:masterClrMapping/>
+  </p:clrMapOvr>
+  <mc:AlternateContent xmlns:mc="http://schemas.openxmlformats.org/markup-compatibility/2006" xmlns:p14="http://schemas.microsoft.com/office/powerpoint/2010/main">
+    <mc:Choice Requires="p14">
+      <p:transition spd="slow" p14:dur="3000"/>
+    </mc:Choice>
+    <mc:Fallback xmlns="">
+      <p:transition spd="slow"/>
+    </mc:Fallback>
+  </mc:AlternateContent>
+  <p:timing>
+    <p:tnLst>
+      <p:par>
+        <p:cTn id="1" dur="indefinite" restart="never" nodeType="tmRoot">
+          <p:childTnLst>
+            <p:seq concurrent="1" nextAc="seek">
+              <p:cTn id="2" dur="indefinite" nodeType="mainSeq">
+                <p:childTnLst>
+                  <p:par>
+                    <p:cTn id="3" fill="hold">
+                      <p:stCondLst>
+                        <p:cond delay="indefinite"/>
+                        <p:cond evt="onBegin" delay="0">
+                          <p:tn val="2"/>
+                        </p:cond>
+                      </p:stCondLst>
+                      <p:childTnLst>
+                        <p:par>
+                          <p:cTn id="4" fill="hold">
+                            <p:stCondLst>
+                              <p:cond delay="0"/>
+                            </p:stCondLst>
+                            <p:childTnLst>
+                              <p:par>
+                                <p:cTn id="5" presetID="6" presetClass="exit" presetSubtype="32" fill="hold" nodeType="withEffect">
+                                  <p:stCondLst>
+                                    <p:cond delay="0"/>
+                                  </p:stCondLst>
+                                  <p:childTnLst>
+                                    <p:animEffect transition="out" filter="circle(out)">
+                                      <p:cBhvr>
+                                        <p:cTn id="6" dur="2000"/>
+                                        <p:tgtEl>
+                                          <p:spTgt spid="7"/>
+                                        </p:tgtEl>
+                                      </p:cBhvr>
+                                    </p:animEffect>
+                                    <p:set>
+                                      <p:cBhvr>
+                                        <p:cTn id="7" dur="1" fill="hold">
+                                          <p:stCondLst>
+                                            <p:cond delay="1999"/>
+                                          </p:stCondLst>
+                                        </p:cTn>
+                                        <p:tgtEl>
+                                          <p:spTgt spid="7"/>
+                                        </p:tgtEl>
+                                        <p:attrNameLst>
+                                          <p:attrName>style.visibility</p:attrName>
+                                        </p:attrNameLst>
+                                      </p:cBhvr>
+                                      <p:to>
+                                        <p:strVal val="hidden"/>
+                                      </p:to>
+                                    </p:set>
+                                  </p:childTnLst>
+                                </p:cTn>
+                              </p:par>
+                              <p:par>
+                                <p:cTn id="8" presetID="6" presetClass="exit" presetSubtype="32" fill="hold" nodeType="withEffect">
+                                  <p:stCondLst>
+                                    <p:cond delay="0"/>
+                                  </p:stCondLst>
+                                  <p:childTnLst>
+                                    <p:animEffect transition="out" filter="circle(out)">
+                                      <p:cBhvr>
+                                        <p:cTn id="9" dur="2000"/>
+                                        <p:tgtEl>
+                                          <p:spTgt spid="1029"/>
+                                        </p:tgtEl>
+                                      </p:cBhvr>
+                                    </p:animEffect>
+                                    <p:set>
+                                      <p:cBhvr>
+                                        <p:cTn id="10" dur="1" fill="hold">
+                                          <p:stCondLst>
+                                            <p:cond delay="1999"/>
+                                          </p:stCondLst>
+                                        </p:cTn>
+                                        <p:tgtEl>
+                                          <p:spTgt spid="1029"/>
+                                        </p:tgtEl>
+                                        <p:attrNameLst>
+                                          <p:attrName>style.visibility</p:attrName>
+                                        </p:attrNameLst>
+                                      </p:cBhvr>
+                                      <p:to>
+                                        <p:strVal val="hidden"/>
+                                      </p:to>
+                                    </p:set>
+                                  </p:childTnLst>
+                                </p:cTn>
+                              </p:par>
+                            </p:childTnLst>
+                          </p:cTn>
+                        </p:par>
+                      </p:childTnLst>
+                    </p:cTn>
+                  </p:par>
+                </p:childTnLst>
+              </p:cTn>
+              <p:prevCondLst>
+                <p:cond evt="onPrev" delay="0">
+                  <p:tgtEl>
+                    <p:sldTgt/>
+                  </p:tgtEl>
+                </p:cond>
+              </p:prevCondLst>
+              <p:nextCondLst>
+                <p:cond evt="onNext" delay="0">
+                  <p:tgtEl>
+                    <p:sldTgt/>
+                  </p:tgtEl>
+                </p:cond>
+              </p:nextCondLst>
+            </p:seq>
+          </p:childTnLst>
+        </p:cTn>
+      </p:par>
+    </p:tnLst>
+  </p:timing>
 </p:sld>
 </file>
 

--- a/3d models/ppt/__Deflame.pptx
+++ b/3d models/ppt/__Deflame.pptx
@@ -5,17 +5,10 @@
     <p:sldMasterId id="2147483660" r:id="rId1"/>
   </p:sldMasterIdLst>
   <p:notesMasterIdLst>
-    <p:notesMasterId r:id="rId10"/>
+    <p:notesMasterId r:id="rId3"/>
   </p:notesMasterIdLst>
   <p:sldIdLst>
-    <p:sldId id="256" r:id="rId2"/>
-    <p:sldId id="257" r:id="rId3"/>
-    <p:sldId id="258" r:id="rId4"/>
-    <p:sldId id="259" r:id="rId5"/>
-    <p:sldId id="260" r:id="rId6"/>
-    <p:sldId id="261" r:id="rId7"/>
-    <p:sldId id="262" r:id="rId8"/>
-    <p:sldId id="263" r:id="rId9"/>
+    <p:sldId id="262" r:id="rId2"/>
   </p:sldIdLst>
   <p:sldSz cx="1800225" cy="1800225"/>
   <p:notesSz cx="6858000" cy="9144000"/>
@@ -3321,1788 +3314,6 @@
   <p:cSld>
     <p:spTree>
       <p:nvGrpSpPr>
-        <p:cNvPr id="1" name=""/>
-        <p:cNvGrpSpPr/>
-        <p:nvPr/>
-      </p:nvGrpSpPr>
-      <p:grpSpPr>
-        <a:xfrm>
-          <a:off x="0" y="0"/>
-          <a:ext cx="0" cy="0"/>
-          <a:chOff x="0" y="0"/>
-          <a:chExt cx="0" cy="0"/>
-        </a:xfrm>
-      </p:grpSpPr>
-      <p:pic>
-        <p:nvPicPr>
-          <p:cNvPr id="1029" name="Picture 5">
-            <a:extLst>
-              <a:ext uri="{FF2B5EF4-FFF2-40B4-BE49-F238E27FC236}">
-                <a16:creationId xmlns:a16="http://schemas.microsoft.com/office/drawing/2014/main" id="{F4E50534-2BD9-640B-3270-5FCE3143C05F}"/>
-              </a:ext>
-            </a:extLst>
-          </p:cNvPr>
-          <p:cNvPicPr>
-            <a:picLocks noChangeAspect="1" noChangeArrowheads="1"/>
-          </p:cNvPicPr>
-          <p:nvPr/>
-        </p:nvPicPr>
-        <p:blipFill rotWithShape="1">
-          <a:blip r:embed="rId2">
-            <a:extLst>
-              <a:ext uri="{28A0092B-C50C-407E-A947-70E740481C1C}">
-                <a14:useLocalDpi xmlns:a14="http://schemas.microsoft.com/office/drawing/2010/main" val="0"/>
-              </a:ext>
-            </a:extLst>
-          </a:blip>
-          <a:srcRect b="25035"/>
-          <a:stretch/>
-        </p:blipFill>
-        <p:spPr bwMode="auto">
-          <a:xfrm>
-            <a:off x="-128236" y="29400"/>
-            <a:ext cx="677165" cy="507639"/>
-          </a:xfrm>
-          <a:prstGeom prst="ellipse">
-            <a:avLst/>
-          </a:prstGeom>
-          <a:noFill/>
-          <a:extLst>
-            <a:ext uri="{909E8E84-426E-40DD-AFC4-6F175D3DCCD1}">
-              <a14:hiddenFill xmlns:a14="http://schemas.microsoft.com/office/drawing/2010/main">
-                <a:solidFill>
-                  <a:srgbClr val="FFFFFF"/>
-                </a:solidFill>
-              </a14:hiddenFill>
-            </a:ext>
-          </a:extLst>
-        </p:spPr>
-      </p:pic>
-      <p:pic>
-        <p:nvPicPr>
-          <p:cNvPr id="3" name="g">
-            <a:extLst>
-              <a:ext uri="{FF2B5EF4-FFF2-40B4-BE49-F238E27FC236}">
-                <a16:creationId xmlns:a16="http://schemas.microsoft.com/office/drawing/2014/main" id="{EDD58BFB-01FF-4036-1057-7FB5E41A364D}"/>
-              </a:ext>
-            </a:extLst>
-          </p:cNvPr>
-          <p:cNvPicPr>
-            <a:picLocks noChangeAspect="1"/>
-          </p:cNvPicPr>
-          <p:nvPr/>
-        </p:nvPicPr>
-        <p:blipFill>
-          <a:blip r:embed="rId3">
-            <a:extLst>
-              <a:ext uri="{28A0092B-C50C-407E-A947-70E740481C1C}">
-                <a14:useLocalDpi xmlns:a14="http://schemas.microsoft.com/office/drawing/2010/main" val="0"/>
-              </a:ext>
-            </a:extLst>
-          </a:blip>
-          <a:srcRect t="4699" b="4699"/>
-          <a:stretch/>
-        </p:blipFill>
-        <p:spPr>
-          <a:xfrm>
-            <a:off x="52732" y="213190"/>
-            <a:ext cx="274955" cy="323850"/>
-          </a:xfrm>
-          <a:prstGeom prst="ellipse">
-            <a:avLst/>
-          </a:prstGeom>
-        </p:spPr>
-      </p:pic>
-      <p:pic>
-        <p:nvPicPr>
-          <p:cNvPr id="7" name="2s">
-            <a:extLst>
-              <a:ext uri="{FF2B5EF4-FFF2-40B4-BE49-F238E27FC236}">
-                <a16:creationId xmlns:a16="http://schemas.microsoft.com/office/drawing/2014/main" id="{A3E0B0DF-5721-0543-F743-458BB8CA9F7B}"/>
-              </a:ext>
-            </a:extLst>
-          </p:cNvPr>
-          <p:cNvPicPr>
-            <a:picLocks noChangeAspect="1" noChangeArrowheads="1"/>
-          </p:cNvPicPr>
-          <p:nvPr/>
-        </p:nvPicPr>
-        <p:blipFill rotWithShape="1">
-          <a:blip r:embed="rId2">
-            <a:alphaModFix amt="70000"/>
-            <a:duotone>
-              <a:schemeClr val="accent2">
-                <a:shade val="45000"/>
-                <a:satMod val="135000"/>
-              </a:schemeClr>
-              <a:prstClr val="white"/>
-            </a:duotone>
-            <a:extLst>
-              <a:ext uri="{28A0092B-C50C-407E-A947-70E740481C1C}">
-                <a14:useLocalDpi xmlns:a14="http://schemas.microsoft.com/office/drawing/2010/main" val="0"/>
-              </a:ext>
-            </a:extLst>
-          </a:blip>
-          <a:srcRect b="25035"/>
-          <a:stretch/>
-        </p:blipFill>
-        <p:spPr bwMode="auto">
-          <a:xfrm flipH="1">
-            <a:off x="-62582" y="127834"/>
-            <a:ext cx="545858" cy="409205"/>
-          </a:xfrm>
-          <a:prstGeom prst="ellipse">
-            <a:avLst/>
-          </a:prstGeom>
-          <a:noFill/>
-          <a:extLst>
-            <a:ext uri="{909E8E84-426E-40DD-AFC4-6F175D3DCCD1}">
-              <a14:hiddenFill xmlns:a14="http://schemas.microsoft.com/office/drawing/2010/main">
-                <a:solidFill>
-                  <a:srgbClr val="FFFFFF"/>
-                </a:solidFill>
-              </a14:hiddenFill>
-            </a:ext>
-          </a:extLst>
-        </p:spPr>
-      </p:pic>
-    </p:spTree>
-    <p:extLst>
-      <p:ext uri="{BB962C8B-B14F-4D97-AF65-F5344CB8AC3E}">
-        <p14:creationId xmlns:p14="http://schemas.microsoft.com/office/powerpoint/2010/main" val="3933469956"/>
-      </p:ext>
-    </p:extLst>
-  </p:cSld>
-  <p:clrMapOvr>
-    <a:masterClrMapping/>
-  </p:clrMapOvr>
-  <mc:AlternateContent xmlns:mc="http://schemas.openxmlformats.org/markup-compatibility/2006" xmlns:p14="http://schemas.microsoft.com/office/powerpoint/2010/main">
-    <mc:Choice Requires="p14">
-      <p:transition spd="slow" p14:dur="3000"/>
-    </mc:Choice>
-    <mc:Fallback xmlns="">
-      <p:transition spd="slow"/>
-    </mc:Fallback>
-  </mc:AlternateContent>
-  <p:timing>
-    <p:tnLst>
-      <p:par>
-        <p:cTn id="1" dur="indefinite" restart="never" nodeType="tmRoot">
-          <p:childTnLst>
-            <p:seq concurrent="1" nextAc="seek">
-              <p:cTn id="2" dur="indefinite" nodeType="mainSeq">
-                <p:childTnLst>
-                  <p:par>
-                    <p:cTn id="3" fill="hold">
-                      <p:stCondLst>
-                        <p:cond delay="indefinite"/>
-                        <p:cond evt="onBegin" delay="0">
-                          <p:tn val="2"/>
-                        </p:cond>
-                      </p:stCondLst>
-                      <p:childTnLst>
-                        <p:par>
-                          <p:cTn id="4" fill="hold">
-                            <p:stCondLst>
-                              <p:cond delay="0"/>
-                            </p:stCondLst>
-                            <p:childTnLst>
-                              <p:par>
-                                <p:cTn id="5" presetID="6" presetClass="exit" presetSubtype="32" fill="hold" nodeType="withEffect">
-                                  <p:stCondLst>
-                                    <p:cond delay="0"/>
-                                  </p:stCondLst>
-                                  <p:childTnLst>
-                                    <p:animEffect transition="out" filter="circle(out)">
-                                      <p:cBhvr>
-                                        <p:cTn id="6" dur="2000"/>
-                                        <p:tgtEl>
-                                          <p:spTgt spid="7"/>
-                                        </p:tgtEl>
-                                      </p:cBhvr>
-                                    </p:animEffect>
-                                    <p:set>
-                                      <p:cBhvr>
-                                        <p:cTn id="7" dur="1" fill="hold">
-                                          <p:stCondLst>
-                                            <p:cond delay="1999"/>
-                                          </p:stCondLst>
-                                        </p:cTn>
-                                        <p:tgtEl>
-                                          <p:spTgt spid="7"/>
-                                        </p:tgtEl>
-                                        <p:attrNameLst>
-                                          <p:attrName>style.visibility</p:attrName>
-                                        </p:attrNameLst>
-                                      </p:cBhvr>
-                                      <p:to>
-                                        <p:strVal val="hidden"/>
-                                      </p:to>
-                                    </p:set>
-                                  </p:childTnLst>
-                                </p:cTn>
-                              </p:par>
-                              <p:par>
-                                <p:cTn id="8" presetID="6" presetClass="exit" presetSubtype="32" fill="hold" nodeType="withEffect">
-                                  <p:stCondLst>
-                                    <p:cond delay="0"/>
-                                  </p:stCondLst>
-                                  <p:childTnLst>
-                                    <p:animEffect transition="out" filter="circle(out)">
-                                      <p:cBhvr>
-                                        <p:cTn id="9" dur="2000"/>
-                                        <p:tgtEl>
-                                          <p:spTgt spid="1029"/>
-                                        </p:tgtEl>
-                                      </p:cBhvr>
-                                    </p:animEffect>
-                                    <p:set>
-                                      <p:cBhvr>
-                                        <p:cTn id="10" dur="1" fill="hold">
-                                          <p:stCondLst>
-                                            <p:cond delay="1999"/>
-                                          </p:stCondLst>
-                                        </p:cTn>
-                                        <p:tgtEl>
-                                          <p:spTgt spid="1029"/>
-                                        </p:tgtEl>
-                                        <p:attrNameLst>
-                                          <p:attrName>style.visibility</p:attrName>
-                                        </p:attrNameLst>
-                                      </p:cBhvr>
-                                      <p:to>
-                                        <p:strVal val="hidden"/>
-                                      </p:to>
-                                    </p:set>
-                                  </p:childTnLst>
-                                </p:cTn>
-                              </p:par>
-                            </p:childTnLst>
-                          </p:cTn>
-                        </p:par>
-                      </p:childTnLst>
-                    </p:cTn>
-                  </p:par>
-                </p:childTnLst>
-              </p:cTn>
-              <p:prevCondLst>
-                <p:cond evt="onPrev" delay="0">
-                  <p:tgtEl>
-                    <p:sldTgt/>
-                  </p:tgtEl>
-                </p:cond>
-              </p:prevCondLst>
-              <p:nextCondLst>
-                <p:cond evt="onNext" delay="0">
-                  <p:tgtEl>
-                    <p:sldTgt/>
-                  </p:tgtEl>
-                </p:cond>
-              </p:nextCondLst>
-            </p:seq>
-          </p:childTnLst>
-        </p:cTn>
-      </p:par>
-    </p:tnLst>
-  </p:timing>
-</p:sld>
-</file>
-
-<file path=ppt/slides/slide2.xml><?xml version="1.0" encoding="utf-8"?>
-<p:sld xmlns:a="http://schemas.openxmlformats.org/drawingml/2006/main" xmlns:r="http://schemas.openxmlformats.org/officeDocument/2006/relationships" xmlns:p="http://schemas.openxmlformats.org/presentationml/2006/main">
-  <p:cSld>
-    <p:spTree>
-      <p:nvGrpSpPr>
-        <p:cNvPr id="1" name="">
-          <a:extLst>
-            <a:ext uri="{FF2B5EF4-FFF2-40B4-BE49-F238E27FC236}">
-              <a16:creationId xmlns:a16="http://schemas.microsoft.com/office/drawing/2014/main" id="{863C10C7-8D8F-A8EF-A655-984DF66A5DA9}"/>
-            </a:ext>
-          </a:extLst>
-        </p:cNvPr>
-        <p:cNvGrpSpPr/>
-        <p:nvPr/>
-      </p:nvGrpSpPr>
-      <p:grpSpPr>
-        <a:xfrm>
-          <a:off x="0" y="0"/>
-          <a:ext cx="0" cy="0"/>
-          <a:chOff x="0" y="0"/>
-          <a:chExt cx="0" cy="0"/>
-        </a:xfrm>
-      </p:grpSpPr>
-      <p:pic>
-        <p:nvPicPr>
-          <p:cNvPr id="1029" name="Picture 5">
-            <a:extLst>
-              <a:ext uri="{FF2B5EF4-FFF2-40B4-BE49-F238E27FC236}">
-                <a16:creationId xmlns:a16="http://schemas.microsoft.com/office/drawing/2014/main" id="{375C19B3-1ADE-3E92-3DA8-259E984692DB}"/>
-              </a:ext>
-            </a:extLst>
-          </p:cNvPr>
-          <p:cNvPicPr>
-            <a:picLocks noChangeAspect="1" noChangeArrowheads="1"/>
-          </p:cNvPicPr>
-          <p:nvPr/>
-        </p:nvPicPr>
-        <p:blipFill rotWithShape="1">
-          <a:blip r:embed="rId2">
-            <a:extLst>
-              <a:ext uri="{28A0092B-C50C-407E-A947-70E740481C1C}">
-                <a14:useLocalDpi xmlns:a14="http://schemas.microsoft.com/office/drawing/2010/main" val="0"/>
-              </a:ext>
-            </a:extLst>
-          </a:blip>
-          <a:srcRect b="25035"/>
-          <a:stretch/>
-        </p:blipFill>
-        <p:spPr bwMode="auto">
-          <a:xfrm>
-            <a:off x="-128236" y="29400"/>
-            <a:ext cx="677165" cy="507639"/>
-          </a:xfrm>
-          <a:prstGeom prst="ellipse">
-            <a:avLst/>
-          </a:prstGeom>
-          <a:noFill/>
-          <a:extLst>
-            <a:ext uri="{909E8E84-426E-40DD-AFC4-6F175D3DCCD1}">
-              <a14:hiddenFill xmlns:a14="http://schemas.microsoft.com/office/drawing/2010/main">
-                <a:solidFill>
-                  <a:srgbClr val="FFFFFF"/>
-                </a:solidFill>
-              </a14:hiddenFill>
-            </a:ext>
-          </a:extLst>
-        </p:spPr>
-      </p:pic>
-      <p:pic>
-        <p:nvPicPr>
-          <p:cNvPr id="3" name="r">
-            <a:extLst>
-              <a:ext uri="{FF2B5EF4-FFF2-40B4-BE49-F238E27FC236}">
-                <a16:creationId xmlns:a16="http://schemas.microsoft.com/office/drawing/2014/main" id="{2ABCD31C-EF1D-759E-FE65-DEBA446A3A51}"/>
-              </a:ext>
-            </a:extLst>
-          </p:cNvPr>
-          <p:cNvPicPr>
-            <a:picLocks noChangeAspect="1"/>
-          </p:cNvPicPr>
-          <p:nvPr/>
-        </p:nvPicPr>
-        <p:blipFill>
-          <a:blip r:embed="rId3">
-            <a:extLst>
-              <a:ext uri="{28A0092B-C50C-407E-A947-70E740481C1C}">
-                <a14:useLocalDpi xmlns:a14="http://schemas.microsoft.com/office/drawing/2010/main" val="0"/>
-              </a:ext>
-            </a:extLst>
-          </a:blip>
-          <a:srcRect t="4699" b="4699"/>
-          <a:stretch/>
-        </p:blipFill>
-        <p:spPr>
-          <a:xfrm>
-            <a:off x="52732" y="213190"/>
-            <a:ext cx="274955" cy="323850"/>
-          </a:xfrm>
-          <a:prstGeom prst="ellipse">
-            <a:avLst/>
-          </a:prstGeom>
-        </p:spPr>
-      </p:pic>
-      <p:pic>
-        <p:nvPicPr>
-          <p:cNvPr id="7" name="2s">
-            <a:extLst>
-              <a:ext uri="{FF2B5EF4-FFF2-40B4-BE49-F238E27FC236}">
-                <a16:creationId xmlns:a16="http://schemas.microsoft.com/office/drawing/2014/main" id="{698170E2-380C-6CEB-7F98-70EA628C7FAF}"/>
-              </a:ext>
-            </a:extLst>
-          </p:cNvPr>
-          <p:cNvPicPr>
-            <a:picLocks noChangeAspect="1" noChangeArrowheads="1"/>
-          </p:cNvPicPr>
-          <p:nvPr/>
-        </p:nvPicPr>
-        <p:blipFill rotWithShape="1">
-          <a:blip r:embed="rId2">
-            <a:alphaModFix amt="70000"/>
-            <a:duotone>
-              <a:schemeClr val="accent2">
-                <a:shade val="45000"/>
-                <a:satMod val="135000"/>
-              </a:schemeClr>
-              <a:prstClr val="white"/>
-            </a:duotone>
-            <a:extLst>
-              <a:ext uri="{28A0092B-C50C-407E-A947-70E740481C1C}">
-                <a14:useLocalDpi xmlns:a14="http://schemas.microsoft.com/office/drawing/2010/main" val="0"/>
-              </a:ext>
-            </a:extLst>
-          </a:blip>
-          <a:srcRect b="25035"/>
-          <a:stretch/>
-        </p:blipFill>
-        <p:spPr bwMode="auto">
-          <a:xfrm flipH="1">
-            <a:off x="-62582" y="127834"/>
-            <a:ext cx="545858" cy="409205"/>
-          </a:xfrm>
-          <a:prstGeom prst="ellipse">
-            <a:avLst/>
-          </a:prstGeom>
-          <a:noFill/>
-          <a:extLst>
-            <a:ext uri="{909E8E84-426E-40DD-AFC4-6F175D3DCCD1}">
-              <a14:hiddenFill xmlns:a14="http://schemas.microsoft.com/office/drawing/2010/main">
-                <a:solidFill>
-                  <a:srgbClr val="FFFFFF"/>
-                </a:solidFill>
-              </a14:hiddenFill>
-            </a:ext>
-          </a:extLst>
-        </p:spPr>
-      </p:pic>
-    </p:spTree>
-    <p:extLst>
-      <p:ext uri="{BB962C8B-B14F-4D97-AF65-F5344CB8AC3E}">
-        <p14:creationId xmlns:p14="http://schemas.microsoft.com/office/powerpoint/2010/main" val="3258585900"/>
-      </p:ext>
-    </p:extLst>
-  </p:cSld>
-  <p:clrMapOvr>
-    <a:masterClrMapping/>
-  </p:clrMapOvr>
-  <mc:AlternateContent xmlns:mc="http://schemas.openxmlformats.org/markup-compatibility/2006" xmlns:p14="http://schemas.microsoft.com/office/powerpoint/2010/main">
-    <mc:Choice Requires="p14">
-      <p:transition spd="slow" p14:dur="3000"/>
-    </mc:Choice>
-    <mc:Fallback xmlns="">
-      <p:transition spd="slow"/>
-    </mc:Fallback>
-  </mc:AlternateContent>
-  <p:timing>
-    <p:tnLst>
-      <p:par>
-        <p:cTn id="1" dur="indefinite" restart="never" nodeType="tmRoot">
-          <p:childTnLst>
-            <p:seq concurrent="1" nextAc="seek">
-              <p:cTn id="2" dur="indefinite" nodeType="mainSeq">
-                <p:childTnLst>
-                  <p:par>
-                    <p:cTn id="3" fill="hold">
-                      <p:stCondLst>
-                        <p:cond delay="indefinite"/>
-                        <p:cond evt="onBegin" delay="0">
-                          <p:tn val="2"/>
-                        </p:cond>
-                      </p:stCondLst>
-                      <p:childTnLst>
-                        <p:par>
-                          <p:cTn id="4" fill="hold">
-                            <p:stCondLst>
-                              <p:cond delay="0"/>
-                            </p:stCondLst>
-                            <p:childTnLst>
-                              <p:par>
-                                <p:cTn id="5" presetID="6" presetClass="exit" presetSubtype="32" fill="hold" nodeType="withEffect">
-                                  <p:stCondLst>
-                                    <p:cond delay="0"/>
-                                  </p:stCondLst>
-                                  <p:childTnLst>
-                                    <p:animEffect transition="out" filter="circle(out)">
-                                      <p:cBhvr>
-                                        <p:cTn id="6" dur="2000"/>
-                                        <p:tgtEl>
-                                          <p:spTgt spid="7"/>
-                                        </p:tgtEl>
-                                      </p:cBhvr>
-                                    </p:animEffect>
-                                    <p:set>
-                                      <p:cBhvr>
-                                        <p:cTn id="7" dur="1" fill="hold">
-                                          <p:stCondLst>
-                                            <p:cond delay="1999"/>
-                                          </p:stCondLst>
-                                        </p:cTn>
-                                        <p:tgtEl>
-                                          <p:spTgt spid="7"/>
-                                        </p:tgtEl>
-                                        <p:attrNameLst>
-                                          <p:attrName>style.visibility</p:attrName>
-                                        </p:attrNameLst>
-                                      </p:cBhvr>
-                                      <p:to>
-                                        <p:strVal val="hidden"/>
-                                      </p:to>
-                                    </p:set>
-                                  </p:childTnLst>
-                                </p:cTn>
-                              </p:par>
-                              <p:par>
-                                <p:cTn id="8" presetID="6" presetClass="exit" presetSubtype="32" fill="hold" nodeType="withEffect">
-                                  <p:stCondLst>
-                                    <p:cond delay="0"/>
-                                  </p:stCondLst>
-                                  <p:childTnLst>
-                                    <p:animEffect transition="out" filter="circle(out)">
-                                      <p:cBhvr>
-                                        <p:cTn id="9" dur="2000"/>
-                                        <p:tgtEl>
-                                          <p:spTgt spid="1029"/>
-                                        </p:tgtEl>
-                                      </p:cBhvr>
-                                    </p:animEffect>
-                                    <p:set>
-                                      <p:cBhvr>
-                                        <p:cTn id="10" dur="1" fill="hold">
-                                          <p:stCondLst>
-                                            <p:cond delay="1999"/>
-                                          </p:stCondLst>
-                                        </p:cTn>
-                                        <p:tgtEl>
-                                          <p:spTgt spid="1029"/>
-                                        </p:tgtEl>
-                                        <p:attrNameLst>
-                                          <p:attrName>style.visibility</p:attrName>
-                                        </p:attrNameLst>
-                                      </p:cBhvr>
-                                      <p:to>
-                                        <p:strVal val="hidden"/>
-                                      </p:to>
-                                    </p:set>
-                                  </p:childTnLst>
-                                </p:cTn>
-                              </p:par>
-                            </p:childTnLst>
-                          </p:cTn>
-                        </p:par>
-                      </p:childTnLst>
-                    </p:cTn>
-                  </p:par>
-                </p:childTnLst>
-              </p:cTn>
-              <p:prevCondLst>
-                <p:cond evt="onPrev" delay="0">
-                  <p:tgtEl>
-                    <p:sldTgt/>
-                  </p:tgtEl>
-                </p:cond>
-              </p:prevCondLst>
-              <p:nextCondLst>
-                <p:cond evt="onNext" delay="0">
-                  <p:tgtEl>
-                    <p:sldTgt/>
-                  </p:tgtEl>
-                </p:cond>
-              </p:nextCondLst>
-            </p:seq>
-          </p:childTnLst>
-        </p:cTn>
-      </p:par>
-    </p:tnLst>
-  </p:timing>
-</p:sld>
-</file>
-
-<file path=ppt/slides/slide3.xml><?xml version="1.0" encoding="utf-8"?>
-<p:sld xmlns:a="http://schemas.openxmlformats.org/drawingml/2006/main" xmlns:r="http://schemas.openxmlformats.org/officeDocument/2006/relationships" xmlns:p="http://schemas.openxmlformats.org/presentationml/2006/main">
-  <p:cSld>
-    <p:spTree>
-      <p:nvGrpSpPr>
-        <p:cNvPr id="1" name="">
-          <a:extLst>
-            <a:ext uri="{FF2B5EF4-FFF2-40B4-BE49-F238E27FC236}">
-              <a16:creationId xmlns:a16="http://schemas.microsoft.com/office/drawing/2014/main" id="{B1795261-EF39-382A-6E91-912F095FE994}"/>
-            </a:ext>
-          </a:extLst>
-        </p:cNvPr>
-        <p:cNvGrpSpPr/>
-        <p:nvPr/>
-      </p:nvGrpSpPr>
-      <p:grpSpPr>
-        <a:xfrm>
-          <a:off x="0" y="0"/>
-          <a:ext cx="0" cy="0"/>
-          <a:chOff x="0" y="0"/>
-          <a:chExt cx="0" cy="0"/>
-        </a:xfrm>
-      </p:grpSpPr>
-      <p:pic>
-        <p:nvPicPr>
-          <p:cNvPr id="1029" name="Picture 5">
-            <a:extLst>
-              <a:ext uri="{FF2B5EF4-FFF2-40B4-BE49-F238E27FC236}">
-                <a16:creationId xmlns:a16="http://schemas.microsoft.com/office/drawing/2014/main" id="{906FA5E8-CF47-8F8F-A066-D48015F5CF55}"/>
-              </a:ext>
-            </a:extLst>
-          </p:cNvPr>
-          <p:cNvPicPr>
-            <a:picLocks noChangeAspect="1" noChangeArrowheads="1"/>
-          </p:cNvPicPr>
-          <p:nvPr/>
-        </p:nvPicPr>
-        <p:blipFill rotWithShape="1">
-          <a:blip r:embed="rId2">
-            <a:extLst>
-              <a:ext uri="{28A0092B-C50C-407E-A947-70E740481C1C}">
-                <a14:useLocalDpi xmlns:a14="http://schemas.microsoft.com/office/drawing/2010/main" val="0"/>
-              </a:ext>
-            </a:extLst>
-          </a:blip>
-          <a:srcRect b="25035"/>
-          <a:stretch/>
-        </p:blipFill>
-        <p:spPr bwMode="auto">
-          <a:xfrm>
-            <a:off x="-128236" y="29400"/>
-            <a:ext cx="677165" cy="507639"/>
-          </a:xfrm>
-          <a:prstGeom prst="ellipse">
-            <a:avLst/>
-          </a:prstGeom>
-          <a:noFill/>
-          <a:extLst>
-            <a:ext uri="{909E8E84-426E-40DD-AFC4-6F175D3DCCD1}">
-              <a14:hiddenFill xmlns:a14="http://schemas.microsoft.com/office/drawing/2010/main">
-                <a:solidFill>
-                  <a:srgbClr val="FFFFFF"/>
-                </a:solidFill>
-              </a14:hiddenFill>
-            </a:ext>
-          </a:extLst>
-        </p:spPr>
-      </p:pic>
-      <p:pic>
-        <p:nvPicPr>
-          <p:cNvPr id="3" name="o">
-            <a:extLst>
-              <a:ext uri="{FF2B5EF4-FFF2-40B4-BE49-F238E27FC236}">
-                <a16:creationId xmlns:a16="http://schemas.microsoft.com/office/drawing/2014/main" id="{4B2EB47C-F501-0E28-8EA4-5EF8C8E7143F}"/>
-              </a:ext>
-            </a:extLst>
-          </p:cNvPr>
-          <p:cNvPicPr>
-            <a:picLocks noChangeAspect="1"/>
-          </p:cNvPicPr>
-          <p:nvPr/>
-        </p:nvPicPr>
-        <p:blipFill>
-          <a:blip r:embed="rId3">
-            <a:extLst>
-              <a:ext uri="{28A0092B-C50C-407E-A947-70E740481C1C}">
-                <a14:useLocalDpi xmlns:a14="http://schemas.microsoft.com/office/drawing/2010/main" val="0"/>
-              </a:ext>
-            </a:extLst>
-          </a:blip>
-          <a:srcRect t="4699" b="4699"/>
-          <a:stretch/>
-        </p:blipFill>
-        <p:spPr>
-          <a:xfrm>
-            <a:off x="52732" y="213190"/>
-            <a:ext cx="274955" cy="323850"/>
-          </a:xfrm>
-          <a:prstGeom prst="ellipse">
-            <a:avLst/>
-          </a:prstGeom>
-        </p:spPr>
-      </p:pic>
-      <p:pic>
-        <p:nvPicPr>
-          <p:cNvPr id="7" name="2s">
-            <a:extLst>
-              <a:ext uri="{FF2B5EF4-FFF2-40B4-BE49-F238E27FC236}">
-                <a16:creationId xmlns:a16="http://schemas.microsoft.com/office/drawing/2014/main" id="{657740D2-108C-BF50-02FB-4C31AC9329C4}"/>
-              </a:ext>
-            </a:extLst>
-          </p:cNvPr>
-          <p:cNvPicPr>
-            <a:picLocks noChangeAspect="1" noChangeArrowheads="1"/>
-          </p:cNvPicPr>
-          <p:nvPr/>
-        </p:nvPicPr>
-        <p:blipFill rotWithShape="1">
-          <a:blip r:embed="rId2">
-            <a:alphaModFix amt="70000"/>
-            <a:duotone>
-              <a:schemeClr val="accent2">
-                <a:shade val="45000"/>
-                <a:satMod val="135000"/>
-              </a:schemeClr>
-              <a:prstClr val="white"/>
-            </a:duotone>
-            <a:extLst>
-              <a:ext uri="{28A0092B-C50C-407E-A947-70E740481C1C}">
-                <a14:useLocalDpi xmlns:a14="http://schemas.microsoft.com/office/drawing/2010/main" val="0"/>
-              </a:ext>
-            </a:extLst>
-          </a:blip>
-          <a:srcRect b="25035"/>
-          <a:stretch/>
-        </p:blipFill>
-        <p:spPr bwMode="auto">
-          <a:xfrm flipH="1">
-            <a:off x="-62582" y="127834"/>
-            <a:ext cx="545858" cy="409205"/>
-          </a:xfrm>
-          <a:prstGeom prst="ellipse">
-            <a:avLst/>
-          </a:prstGeom>
-          <a:noFill/>
-          <a:extLst>
-            <a:ext uri="{909E8E84-426E-40DD-AFC4-6F175D3DCCD1}">
-              <a14:hiddenFill xmlns:a14="http://schemas.microsoft.com/office/drawing/2010/main">
-                <a:solidFill>
-                  <a:srgbClr val="FFFFFF"/>
-                </a:solidFill>
-              </a14:hiddenFill>
-            </a:ext>
-          </a:extLst>
-        </p:spPr>
-      </p:pic>
-    </p:spTree>
-    <p:extLst>
-      <p:ext uri="{BB962C8B-B14F-4D97-AF65-F5344CB8AC3E}">
-        <p14:creationId xmlns:p14="http://schemas.microsoft.com/office/powerpoint/2010/main" val="1283274742"/>
-      </p:ext>
-    </p:extLst>
-  </p:cSld>
-  <p:clrMapOvr>
-    <a:masterClrMapping/>
-  </p:clrMapOvr>
-  <mc:AlternateContent xmlns:mc="http://schemas.openxmlformats.org/markup-compatibility/2006" xmlns:p14="http://schemas.microsoft.com/office/powerpoint/2010/main">
-    <mc:Choice Requires="p14">
-      <p:transition spd="slow" p14:dur="3000"/>
-    </mc:Choice>
-    <mc:Fallback xmlns="">
-      <p:transition spd="slow"/>
-    </mc:Fallback>
-  </mc:AlternateContent>
-  <p:timing>
-    <p:tnLst>
-      <p:par>
-        <p:cTn id="1" dur="indefinite" restart="never" nodeType="tmRoot">
-          <p:childTnLst>
-            <p:seq concurrent="1" nextAc="seek">
-              <p:cTn id="2" dur="indefinite" nodeType="mainSeq">
-                <p:childTnLst>
-                  <p:par>
-                    <p:cTn id="3" fill="hold">
-                      <p:stCondLst>
-                        <p:cond delay="indefinite"/>
-                        <p:cond evt="onBegin" delay="0">
-                          <p:tn val="2"/>
-                        </p:cond>
-                      </p:stCondLst>
-                      <p:childTnLst>
-                        <p:par>
-                          <p:cTn id="4" fill="hold">
-                            <p:stCondLst>
-                              <p:cond delay="0"/>
-                            </p:stCondLst>
-                            <p:childTnLst>
-                              <p:par>
-                                <p:cTn id="5" presetID="6" presetClass="exit" presetSubtype="32" fill="hold" nodeType="withEffect">
-                                  <p:stCondLst>
-                                    <p:cond delay="0"/>
-                                  </p:stCondLst>
-                                  <p:childTnLst>
-                                    <p:animEffect transition="out" filter="circle(out)">
-                                      <p:cBhvr>
-                                        <p:cTn id="6" dur="2000"/>
-                                        <p:tgtEl>
-                                          <p:spTgt spid="7"/>
-                                        </p:tgtEl>
-                                      </p:cBhvr>
-                                    </p:animEffect>
-                                    <p:set>
-                                      <p:cBhvr>
-                                        <p:cTn id="7" dur="1" fill="hold">
-                                          <p:stCondLst>
-                                            <p:cond delay="1999"/>
-                                          </p:stCondLst>
-                                        </p:cTn>
-                                        <p:tgtEl>
-                                          <p:spTgt spid="7"/>
-                                        </p:tgtEl>
-                                        <p:attrNameLst>
-                                          <p:attrName>style.visibility</p:attrName>
-                                        </p:attrNameLst>
-                                      </p:cBhvr>
-                                      <p:to>
-                                        <p:strVal val="hidden"/>
-                                      </p:to>
-                                    </p:set>
-                                  </p:childTnLst>
-                                </p:cTn>
-                              </p:par>
-                              <p:par>
-                                <p:cTn id="8" presetID="6" presetClass="exit" presetSubtype="32" fill="hold" nodeType="withEffect">
-                                  <p:stCondLst>
-                                    <p:cond delay="0"/>
-                                  </p:stCondLst>
-                                  <p:childTnLst>
-                                    <p:animEffect transition="out" filter="circle(out)">
-                                      <p:cBhvr>
-                                        <p:cTn id="9" dur="2000"/>
-                                        <p:tgtEl>
-                                          <p:spTgt spid="1029"/>
-                                        </p:tgtEl>
-                                      </p:cBhvr>
-                                    </p:animEffect>
-                                    <p:set>
-                                      <p:cBhvr>
-                                        <p:cTn id="10" dur="1" fill="hold">
-                                          <p:stCondLst>
-                                            <p:cond delay="1999"/>
-                                          </p:stCondLst>
-                                        </p:cTn>
-                                        <p:tgtEl>
-                                          <p:spTgt spid="1029"/>
-                                        </p:tgtEl>
-                                        <p:attrNameLst>
-                                          <p:attrName>style.visibility</p:attrName>
-                                        </p:attrNameLst>
-                                      </p:cBhvr>
-                                      <p:to>
-                                        <p:strVal val="hidden"/>
-                                      </p:to>
-                                    </p:set>
-                                  </p:childTnLst>
-                                </p:cTn>
-                              </p:par>
-                            </p:childTnLst>
-                          </p:cTn>
-                        </p:par>
-                      </p:childTnLst>
-                    </p:cTn>
-                  </p:par>
-                </p:childTnLst>
-              </p:cTn>
-              <p:prevCondLst>
-                <p:cond evt="onPrev" delay="0">
-                  <p:tgtEl>
-                    <p:sldTgt/>
-                  </p:tgtEl>
-                </p:cond>
-              </p:prevCondLst>
-              <p:nextCondLst>
-                <p:cond evt="onNext" delay="0">
-                  <p:tgtEl>
-                    <p:sldTgt/>
-                  </p:tgtEl>
-                </p:cond>
-              </p:nextCondLst>
-            </p:seq>
-          </p:childTnLst>
-        </p:cTn>
-      </p:par>
-    </p:tnLst>
-  </p:timing>
-</p:sld>
-</file>
-
-<file path=ppt/slides/slide4.xml><?xml version="1.0" encoding="utf-8"?>
-<p:sld xmlns:a="http://schemas.openxmlformats.org/drawingml/2006/main" xmlns:r="http://schemas.openxmlformats.org/officeDocument/2006/relationships" xmlns:p="http://schemas.openxmlformats.org/presentationml/2006/main">
-  <p:cSld>
-    <p:spTree>
-      <p:nvGrpSpPr>
-        <p:cNvPr id="1" name="">
-          <a:extLst>
-            <a:ext uri="{FF2B5EF4-FFF2-40B4-BE49-F238E27FC236}">
-              <a16:creationId xmlns:a16="http://schemas.microsoft.com/office/drawing/2014/main" id="{E07C7E2E-B7C9-C215-70D1-D6263B2B5A3D}"/>
-            </a:ext>
-          </a:extLst>
-        </p:cNvPr>
-        <p:cNvGrpSpPr/>
-        <p:nvPr/>
-      </p:nvGrpSpPr>
-      <p:grpSpPr>
-        <a:xfrm>
-          <a:off x="0" y="0"/>
-          <a:ext cx="0" cy="0"/>
-          <a:chOff x="0" y="0"/>
-          <a:chExt cx="0" cy="0"/>
-        </a:xfrm>
-      </p:grpSpPr>
-      <p:pic>
-        <p:nvPicPr>
-          <p:cNvPr id="1029" name="Picture 5">
-            <a:extLst>
-              <a:ext uri="{FF2B5EF4-FFF2-40B4-BE49-F238E27FC236}">
-                <a16:creationId xmlns:a16="http://schemas.microsoft.com/office/drawing/2014/main" id="{152CFB81-FAE9-87D1-52AB-6DB004CF5FC5}"/>
-              </a:ext>
-            </a:extLst>
-          </p:cNvPr>
-          <p:cNvPicPr>
-            <a:picLocks noChangeAspect="1" noChangeArrowheads="1"/>
-          </p:cNvPicPr>
-          <p:nvPr/>
-        </p:nvPicPr>
-        <p:blipFill rotWithShape="1">
-          <a:blip r:embed="rId2">
-            <a:extLst>
-              <a:ext uri="{28A0092B-C50C-407E-A947-70E740481C1C}">
-                <a14:useLocalDpi xmlns:a14="http://schemas.microsoft.com/office/drawing/2010/main" val="0"/>
-              </a:ext>
-            </a:extLst>
-          </a:blip>
-          <a:srcRect b="25035"/>
-          <a:stretch/>
-        </p:blipFill>
-        <p:spPr bwMode="auto">
-          <a:xfrm>
-            <a:off x="-128236" y="29400"/>
-            <a:ext cx="677165" cy="507639"/>
-          </a:xfrm>
-          <a:prstGeom prst="ellipse">
-            <a:avLst/>
-          </a:prstGeom>
-          <a:noFill/>
-          <a:extLst>
-            <a:ext uri="{909E8E84-426E-40DD-AFC4-6F175D3DCCD1}">
-              <a14:hiddenFill xmlns:a14="http://schemas.microsoft.com/office/drawing/2010/main">
-                <a:solidFill>
-                  <a:srgbClr val="FFFFFF"/>
-                </a:solidFill>
-              </a14:hiddenFill>
-            </a:ext>
-          </a:extLst>
-        </p:spPr>
-      </p:pic>
-      <p:pic>
-        <p:nvPicPr>
-          <p:cNvPr id="3" name="p">
-            <a:extLst>
-              <a:ext uri="{FF2B5EF4-FFF2-40B4-BE49-F238E27FC236}">
-                <a16:creationId xmlns:a16="http://schemas.microsoft.com/office/drawing/2014/main" id="{AC446393-17DB-E658-0D4E-4FE3ED9FEE2B}"/>
-              </a:ext>
-            </a:extLst>
-          </p:cNvPr>
-          <p:cNvPicPr>
-            <a:picLocks noChangeAspect="1"/>
-          </p:cNvPicPr>
-          <p:nvPr/>
-        </p:nvPicPr>
-        <p:blipFill>
-          <a:blip r:embed="rId3">
-            <a:extLst>
-              <a:ext uri="{28A0092B-C50C-407E-A947-70E740481C1C}">
-                <a14:useLocalDpi xmlns:a14="http://schemas.microsoft.com/office/drawing/2010/main" val="0"/>
-              </a:ext>
-            </a:extLst>
-          </a:blip>
-          <a:srcRect t="4699" b="4699"/>
-          <a:stretch/>
-        </p:blipFill>
-        <p:spPr>
-          <a:xfrm>
-            <a:off x="52732" y="213190"/>
-            <a:ext cx="274955" cy="323850"/>
-          </a:xfrm>
-          <a:prstGeom prst="ellipse">
-            <a:avLst/>
-          </a:prstGeom>
-        </p:spPr>
-      </p:pic>
-      <p:pic>
-        <p:nvPicPr>
-          <p:cNvPr id="7" name="2s">
-            <a:extLst>
-              <a:ext uri="{FF2B5EF4-FFF2-40B4-BE49-F238E27FC236}">
-                <a16:creationId xmlns:a16="http://schemas.microsoft.com/office/drawing/2014/main" id="{B2DD995E-B868-BE7F-CEED-A4D1117AE0D2}"/>
-              </a:ext>
-            </a:extLst>
-          </p:cNvPr>
-          <p:cNvPicPr>
-            <a:picLocks noChangeAspect="1" noChangeArrowheads="1"/>
-          </p:cNvPicPr>
-          <p:nvPr/>
-        </p:nvPicPr>
-        <p:blipFill rotWithShape="1">
-          <a:blip r:embed="rId2">
-            <a:alphaModFix amt="70000"/>
-            <a:duotone>
-              <a:schemeClr val="accent2">
-                <a:shade val="45000"/>
-                <a:satMod val="135000"/>
-              </a:schemeClr>
-              <a:prstClr val="white"/>
-            </a:duotone>
-            <a:extLst>
-              <a:ext uri="{28A0092B-C50C-407E-A947-70E740481C1C}">
-                <a14:useLocalDpi xmlns:a14="http://schemas.microsoft.com/office/drawing/2010/main" val="0"/>
-              </a:ext>
-            </a:extLst>
-          </a:blip>
-          <a:srcRect b="25035"/>
-          <a:stretch/>
-        </p:blipFill>
-        <p:spPr bwMode="auto">
-          <a:xfrm flipH="1">
-            <a:off x="-62582" y="127834"/>
-            <a:ext cx="545858" cy="409205"/>
-          </a:xfrm>
-          <a:prstGeom prst="ellipse">
-            <a:avLst/>
-          </a:prstGeom>
-          <a:noFill/>
-          <a:extLst>
-            <a:ext uri="{909E8E84-426E-40DD-AFC4-6F175D3DCCD1}">
-              <a14:hiddenFill xmlns:a14="http://schemas.microsoft.com/office/drawing/2010/main">
-                <a:solidFill>
-                  <a:srgbClr val="FFFFFF"/>
-                </a:solidFill>
-              </a14:hiddenFill>
-            </a:ext>
-          </a:extLst>
-        </p:spPr>
-      </p:pic>
-    </p:spTree>
-    <p:extLst>
-      <p:ext uri="{BB962C8B-B14F-4D97-AF65-F5344CB8AC3E}">
-        <p14:creationId xmlns:p14="http://schemas.microsoft.com/office/powerpoint/2010/main" val="894290664"/>
-      </p:ext>
-    </p:extLst>
-  </p:cSld>
-  <p:clrMapOvr>
-    <a:masterClrMapping/>
-  </p:clrMapOvr>
-  <mc:AlternateContent xmlns:mc="http://schemas.openxmlformats.org/markup-compatibility/2006" xmlns:p14="http://schemas.microsoft.com/office/powerpoint/2010/main">
-    <mc:Choice Requires="p14">
-      <p:transition spd="slow" p14:dur="3000"/>
-    </mc:Choice>
-    <mc:Fallback xmlns="">
-      <p:transition spd="slow"/>
-    </mc:Fallback>
-  </mc:AlternateContent>
-  <p:timing>
-    <p:tnLst>
-      <p:par>
-        <p:cTn id="1" dur="indefinite" restart="never" nodeType="tmRoot">
-          <p:childTnLst>
-            <p:seq concurrent="1" nextAc="seek">
-              <p:cTn id="2" dur="indefinite" nodeType="mainSeq">
-                <p:childTnLst>
-                  <p:par>
-                    <p:cTn id="3" fill="hold">
-                      <p:stCondLst>
-                        <p:cond delay="indefinite"/>
-                        <p:cond evt="onBegin" delay="0">
-                          <p:tn val="2"/>
-                        </p:cond>
-                      </p:stCondLst>
-                      <p:childTnLst>
-                        <p:par>
-                          <p:cTn id="4" fill="hold">
-                            <p:stCondLst>
-                              <p:cond delay="0"/>
-                            </p:stCondLst>
-                            <p:childTnLst>
-                              <p:par>
-                                <p:cTn id="5" presetID="6" presetClass="exit" presetSubtype="32" fill="hold" nodeType="withEffect">
-                                  <p:stCondLst>
-                                    <p:cond delay="0"/>
-                                  </p:stCondLst>
-                                  <p:childTnLst>
-                                    <p:animEffect transition="out" filter="circle(out)">
-                                      <p:cBhvr>
-                                        <p:cTn id="6" dur="2000"/>
-                                        <p:tgtEl>
-                                          <p:spTgt spid="7"/>
-                                        </p:tgtEl>
-                                      </p:cBhvr>
-                                    </p:animEffect>
-                                    <p:set>
-                                      <p:cBhvr>
-                                        <p:cTn id="7" dur="1" fill="hold">
-                                          <p:stCondLst>
-                                            <p:cond delay="1999"/>
-                                          </p:stCondLst>
-                                        </p:cTn>
-                                        <p:tgtEl>
-                                          <p:spTgt spid="7"/>
-                                        </p:tgtEl>
-                                        <p:attrNameLst>
-                                          <p:attrName>style.visibility</p:attrName>
-                                        </p:attrNameLst>
-                                      </p:cBhvr>
-                                      <p:to>
-                                        <p:strVal val="hidden"/>
-                                      </p:to>
-                                    </p:set>
-                                  </p:childTnLst>
-                                </p:cTn>
-                              </p:par>
-                              <p:par>
-                                <p:cTn id="8" presetID="6" presetClass="exit" presetSubtype="32" fill="hold" nodeType="withEffect">
-                                  <p:stCondLst>
-                                    <p:cond delay="0"/>
-                                  </p:stCondLst>
-                                  <p:childTnLst>
-                                    <p:animEffect transition="out" filter="circle(out)">
-                                      <p:cBhvr>
-                                        <p:cTn id="9" dur="2000"/>
-                                        <p:tgtEl>
-                                          <p:spTgt spid="1029"/>
-                                        </p:tgtEl>
-                                      </p:cBhvr>
-                                    </p:animEffect>
-                                    <p:set>
-                                      <p:cBhvr>
-                                        <p:cTn id="10" dur="1" fill="hold">
-                                          <p:stCondLst>
-                                            <p:cond delay="1999"/>
-                                          </p:stCondLst>
-                                        </p:cTn>
-                                        <p:tgtEl>
-                                          <p:spTgt spid="1029"/>
-                                        </p:tgtEl>
-                                        <p:attrNameLst>
-                                          <p:attrName>style.visibility</p:attrName>
-                                        </p:attrNameLst>
-                                      </p:cBhvr>
-                                      <p:to>
-                                        <p:strVal val="hidden"/>
-                                      </p:to>
-                                    </p:set>
-                                  </p:childTnLst>
-                                </p:cTn>
-                              </p:par>
-                            </p:childTnLst>
-                          </p:cTn>
-                        </p:par>
-                      </p:childTnLst>
-                    </p:cTn>
-                  </p:par>
-                </p:childTnLst>
-              </p:cTn>
-              <p:prevCondLst>
-                <p:cond evt="onPrev" delay="0">
-                  <p:tgtEl>
-                    <p:sldTgt/>
-                  </p:tgtEl>
-                </p:cond>
-              </p:prevCondLst>
-              <p:nextCondLst>
-                <p:cond evt="onNext" delay="0">
-                  <p:tgtEl>
-                    <p:sldTgt/>
-                  </p:tgtEl>
-                </p:cond>
-              </p:nextCondLst>
-            </p:seq>
-          </p:childTnLst>
-        </p:cTn>
-      </p:par>
-    </p:tnLst>
-  </p:timing>
-</p:sld>
-</file>
-
-<file path=ppt/slides/slide5.xml><?xml version="1.0" encoding="utf-8"?>
-<p:sld xmlns:a="http://schemas.openxmlformats.org/drawingml/2006/main" xmlns:r="http://schemas.openxmlformats.org/officeDocument/2006/relationships" xmlns:p="http://schemas.openxmlformats.org/presentationml/2006/main">
-  <p:cSld>
-    <p:spTree>
-      <p:nvGrpSpPr>
-        <p:cNvPr id="1" name="">
-          <a:extLst>
-            <a:ext uri="{FF2B5EF4-FFF2-40B4-BE49-F238E27FC236}">
-              <a16:creationId xmlns:a16="http://schemas.microsoft.com/office/drawing/2014/main" id="{EE6DE8D3-8870-86ED-F1A0-94A3A52BEC85}"/>
-            </a:ext>
-          </a:extLst>
-        </p:cNvPr>
-        <p:cNvGrpSpPr/>
-        <p:nvPr/>
-      </p:nvGrpSpPr>
-      <p:grpSpPr>
-        <a:xfrm>
-          <a:off x="0" y="0"/>
-          <a:ext cx="0" cy="0"/>
-          <a:chOff x="0" y="0"/>
-          <a:chExt cx="0" cy="0"/>
-        </a:xfrm>
-      </p:grpSpPr>
-      <p:pic>
-        <p:nvPicPr>
-          <p:cNvPr id="1029" name="Picture 5">
-            <a:extLst>
-              <a:ext uri="{FF2B5EF4-FFF2-40B4-BE49-F238E27FC236}">
-                <a16:creationId xmlns:a16="http://schemas.microsoft.com/office/drawing/2014/main" id="{9C556D19-87E5-F3A1-656A-5B12C1653C65}"/>
-              </a:ext>
-            </a:extLst>
-          </p:cNvPr>
-          <p:cNvPicPr>
-            <a:picLocks noChangeAspect="1" noChangeArrowheads="1"/>
-          </p:cNvPicPr>
-          <p:nvPr/>
-        </p:nvPicPr>
-        <p:blipFill rotWithShape="1">
-          <a:blip r:embed="rId2">
-            <a:extLst>
-              <a:ext uri="{28A0092B-C50C-407E-A947-70E740481C1C}">
-                <a14:useLocalDpi xmlns:a14="http://schemas.microsoft.com/office/drawing/2010/main" val="0"/>
-              </a:ext>
-            </a:extLst>
-          </a:blip>
-          <a:srcRect b="25035"/>
-          <a:stretch/>
-        </p:blipFill>
-        <p:spPr bwMode="auto">
-          <a:xfrm>
-            <a:off x="-128236" y="29400"/>
-            <a:ext cx="677165" cy="507639"/>
-          </a:xfrm>
-          <a:prstGeom prst="ellipse">
-            <a:avLst/>
-          </a:prstGeom>
-          <a:noFill/>
-          <a:extLst>
-            <a:ext uri="{909E8E84-426E-40DD-AFC4-6F175D3DCCD1}">
-              <a14:hiddenFill xmlns:a14="http://schemas.microsoft.com/office/drawing/2010/main">
-                <a:solidFill>
-                  <a:srgbClr val="FFFFFF"/>
-                </a:solidFill>
-              </a14:hiddenFill>
-            </a:ext>
-          </a:extLst>
-        </p:spPr>
-      </p:pic>
-      <p:pic>
-        <p:nvPicPr>
-          <p:cNvPr id="3" name="u">
-            <a:extLst>
-              <a:ext uri="{FF2B5EF4-FFF2-40B4-BE49-F238E27FC236}">
-                <a16:creationId xmlns:a16="http://schemas.microsoft.com/office/drawing/2014/main" id="{D1B613A8-19EB-7018-AB17-7C3CD0571A4A}"/>
-              </a:ext>
-            </a:extLst>
-          </p:cNvPr>
-          <p:cNvPicPr>
-            <a:picLocks noChangeAspect="1"/>
-          </p:cNvPicPr>
-          <p:nvPr/>
-        </p:nvPicPr>
-        <p:blipFill>
-          <a:blip r:embed="rId3">
-            <a:extLst>
-              <a:ext uri="{28A0092B-C50C-407E-A947-70E740481C1C}">
-                <a14:useLocalDpi xmlns:a14="http://schemas.microsoft.com/office/drawing/2010/main" val="0"/>
-              </a:ext>
-            </a:extLst>
-          </a:blip>
-          <a:srcRect t="4699" b="4699"/>
-          <a:stretch/>
-        </p:blipFill>
-        <p:spPr>
-          <a:xfrm>
-            <a:off x="52732" y="213190"/>
-            <a:ext cx="274955" cy="323850"/>
-          </a:xfrm>
-          <a:prstGeom prst="ellipse">
-            <a:avLst/>
-          </a:prstGeom>
-        </p:spPr>
-      </p:pic>
-      <p:pic>
-        <p:nvPicPr>
-          <p:cNvPr id="7" name="2s">
-            <a:extLst>
-              <a:ext uri="{FF2B5EF4-FFF2-40B4-BE49-F238E27FC236}">
-                <a16:creationId xmlns:a16="http://schemas.microsoft.com/office/drawing/2014/main" id="{7C46B93A-0712-A823-CE89-9A281CDA45B3}"/>
-              </a:ext>
-            </a:extLst>
-          </p:cNvPr>
-          <p:cNvPicPr>
-            <a:picLocks noChangeAspect="1" noChangeArrowheads="1"/>
-          </p:cNvPicPr>
-          <p:nvPr/>
-        </p:nvPicPr>
-        <p:blipFill rotWithShape="1">
-          <a:blip r:embed="rId2">
-            <a:alphaModFix amt="70000"/>
-            <a:duotone>
-              <a:schemeClr val="accent2">
-                <a:shade val="45000"/>
-                <a:satMod val="135000"/>
-              </a:schemeClr>
-              <a:prstClr val="white"/>
-            </a:duotone>
-            <a:extLst>
-              <a:ext uri="{28A0092B-C50C-407E-A947-70E740481C1C}">
-                <a14:useLocalDpi xmlns:a14="http://schemas.microsoft.com/office/drawing/2010/main" val="0"/>
-              </a:ext>
-            </a:extLst>
-          </a:blip>
-          <a:srcRect b="25035"/>
-          <a:stretch/>
-        </p:blipFill>
-        <p:spPr bwMode="auto">
-          <a:xfrm flipH="1">
-            <a:off x="-62582" y="127834"/>
-            <a:ext cx="545858" cy="409205"/>
-          </a:xfrm>
-          <a:prstGeom prst="ellipse">
-            <a:avLst/>
-          </a:prstGeom>
-          <a:noFill/>
-          <a:extLst>
-            <a:ext uri="{909E8E84-426E-40DD-AFC4-6F175D3DCCD1}">
-              <a14:hiddenFill xmlns:a14="http://schemas.microsoft.com/office/drawing/2010/main">
-                <a:solidFill>
-                  <a:srgbClr val="FFFFFF"/>
-                </a:solidFill>
-              </a14:hiddenFill>
-            </a:ext>
-          </a:extLst>
-        </p:spPr>
-      </p:pic>
-    </p:spTree>
-    <p:extLst>
-      <p:ext uri="{BB962C8B-B14F-4D97-AF65-F5344CB8AC3E}">
-        <p14:creationId xmlns:p14="http://schemas.microsoft.com/office/powerpoint/2010/main" val="2854495289"/>
-      </p:ext>
-    </p:extLst>
-  </p:cSld>
-  <p:clrMapOvr>
-    <a:masterClrMapping/>
-  </p:clrMapOvr>
-  <mc:AlternateContent xmlns:mc="http://schemas.openxmlformats.org/markup-compatibility/2006" xmlns:p14="http://schemas.microsoft.com/office/powerpoint/2010/main">
-    <mc:Choice Requires="p14">
-      <p:transition spd="slow" p14:dur="3000"/>
-    </mc:Choice>
-    <mc:Fallback xmlns="">
-      <p:transition spd="slow"/>
-    </mc:Fallback>
-  </mc:AlternateContent>
-  <p:timing>
-    <p:tnLst>
-      <p:par>
-        <p:cTn id="1" dur="indefinite" restart="never" nodeType="tmRoot">
-          <p:childTnLst>
-            <p:seq concurrent="1" nextAc="seek">
-              <p:cTn id="2" dur="indefinite" nodeType="mainSeq">
-                <p:childTnLst>
-                  <p:par>
-                    <p:cTn id="3" fill="hold">
-                      <p:stCondLst>
-                        <p:cond delay="indefinite"/>
-                        <p:cond evt="onBegin" delay="0">
-                          <p:tn val="2"/>
-                        </p:cond>
-                      </p:stCondLst>
-                      <p:childTnLst>
-                        <p:par>
-                          <p:cTn id="4" fill="hold">
-                            <p:stCondLst>
-                              <p:cond delay="0"/>
-                            </p:stCondLst>
-                            <p:childTnLst>
-                              <p:par>
-                                <p:cTn id="5" presetID="6" presetClass="exit" presetSubtype="32" fill="hold" nodeType="withEffect">
-                                  <p:stCondLst>
-                                    <p:cond delay="0"/>
-                                  </p:stCondLst>
-                                  <p:childTnLst>
-                                    <p:animEffect transition="out" filter="circle(out)">
-                                      <p:cBhvr>
-                                        <p:cTn id="6" dur="2000"/>
-                                        <p:tgtEl>
-                                          <p:spTgt spid="7"/>
-                                        </p:tgtEl>
-                                      </p:cBhvr>
-                                    </p:animEffect>
-                                    <p:set>
-                                      <p:cBhvr>
-                                        <p:cTn id="7" dur="1" fill="hold">
-                                          <p:stCondLst>
-                                            <p:cond delay="1999"/>
-                                          </p:stCondLst>
-                                        </p:cTn>
-                                        <p:tgtEl>
-                                          <p:spTgt spid="7"/>
-                                        </p:tgtEl>
-                                        <p:attrNameLst>
-                                          <p:attrName>style.visibility</p:attrName>
-                                        </p:attrNameLst>
-                                      </p:cBhvr>
-                                      <p:to>
-                                        <p:strVal val="hidden"/>
-                                      </p:to>
-                                    </p:set>
-                                  </p:childTnLst>
-                                </p:cTn>
-                              </p:par>
-                              <p:par>
-                                <p:cTn id="8" presetID="6" presetClass="exit" presetSubtype="32" fill="hold" nodeType="withEffect">
-                                  <p:stCondLst>
-                                    <p:cond delay="0"/>
-                                  </p:stCondLst>
-                                  <p:childTnLst>
-                                    <p:animEffect transition="out" filter="circle(out)">
-                                      <p:cBhvr>
-                                        <p:cTn id="9" dur="2000"/>
-                                        <p:tgtEl>
-                                          <p:spTgt spid="1029"/>
-                                        </p:tgtEl>
-                                      </p:cBhvr>
-                                    </p:animEffect>
-                                    <p:set>
-                                      <p:cBhvr>
-                                        <p:cTn id="10" dur="1" fill="hold">
-                                          <p:stCondLst>
-                                            <p:cond delay="1999"/>
-                                          </p:stCondLst>
-                                        </p:cTn>
-                                        <p:tgtEl>
-                                          <p:spTgt spid="1029"/>
-                                        </p:tgtEl>
-                                        <p:attrNameLst>
-                                          <p:attrName>style.visibility</p:attrName>
-                                        </p:attrNameLst>
-                                      </p:cBhvr>
-                                      <p:to>
-                                        <p:strVal val="hidden"/>
-                                      </p:to>
-                                    </p:set>
-                                  </p:childTnLst>
-                                </p:cTn>
-                              </p:par>
-                            </p:childTnLst>
-                          </p:cTn>
-                        </p:par>
-                      </p:childTnLst>
-                    </p:cTn>
-                  </p:par>
-                </p:childTnLst>
-              </p:cTn>
-              <p:prevCondLst>
-                <p:cond evt="onPrev" delay="0">
-                  <p:tgtEl>
-                    <p:sldTgt/>
-                  </p:tgtEl>
-                </p:cond>
-              </p:prevCondLst>
-              <p:nextCondLst>
-                <p:cond evt="onNext" delay="0">
-                  <p:tgtEl>
-                    <p:sldTgt/>
-                  </p:tgtEl>
-                </p:cond>
-              </p:nextCondLst>
-            </p:seq>
-          </p:childTnLst>
-        </p:cTn>
-      </p:par>
-    </p:tnLst>
-  </p:timing>
-</p:sld>
-</file>
-
-<file path=ppt/slides/slide6.xml><?xml version="1.0" encoding="utf-8"?>
-<p:sld xmlns:a="http://schemas.openxmlformats.org/drawingml/2006/main" xmlns:r="http://schemas.openxmlformats.org/officeDocument/2006/relationships" xmlns:p="http://schemas.openxmlformats.org/presentationml/2006/main">
-  <p:cSld>
-    <p:spTree>
-      <p:nvGrpSpPr>
-        <p:cNvPr id="1" name="">
-          <a:extLst>
-            <a:ext uri="{FF2B5EF4-FFF2-40B4-BE49-F238E27FC236}">
-              <a16:creationId xmlns:a16="http://schemas.microsoft.com/office/drawing/2014/main" id="{9141D244-09C4-46AC-DB0F-45FD30399110}"/>
-            </a:ext>
-          </a:extLst>
-        </p:cNvPr>
-        <p:cNvGrpSpPr/>
-        <p:nvPr/>
-      </p:nvGrpSpPr>
-      <p:grpSpPr>
-        <a:xfrm>
-          <a:off x="0" y="0"/>
-          <a:ext cx="0" cy="0"/>
-          <a:chOff x="0" y="0"/>
-          <a:chExt cx="0" cy="0"/>
-        </a:xfrm>
-      </p:grpSpPr>
-      <p:pic>
-        <p:nvPicPr>
-          <p:cNvPr id="1029" name="Picture 5">
-            <a:extLst>
-              <a:ext uri="{FF2B5EF4-FFF2-40B4-BE49-F238E27FC236}">
-                <a16:creationId xmlns:a16="http://schemas.microsoft.com/office/drawing/2014/main" id="{4BC51364-F428-CD21-8058-6B8BF8124B65}"/>
-              </a:ext>
-            </a:extLst>
-          </p:cNvPr>
-          <p:cNvPicPr>
-            <a:picLocks noChangeAspect="1" noChangeArrowheads="1"/>
-          </p:cNvPicPr>
-          <p:nvPr/>
-        </p:nvPicPr>
-        <p:blipFill rotWithShape="1">
-          <a:blip r:embed="rId2">
-            <a:extLst>
-              <a:ext uri="{28A0092B-C50C-407E-A947-70E740481C1C}">
-                <a14:useLocalDpi xmlns:a14="http://schemas.microsoft.com/office/drawing/2010/main" val="0"/>
-              </a:ext>
-            </a:extLst>
-          </a:blip>
-          <a:srcRect b="25035"/>
-          <a:stretch/>
-        </p:blipFill>
-        <p:spPr bwMode="auto">
-          <a:xfrm>
-            <a:off x="-128236" y="29400"/>
-            <a:ext cx="677165" cy="507639"/>
-          </a:xfrm>
-          <a:prstGeom prst="ellipse">
-            <a:avLst/>
-          </a:prstGeom>
-          <a:noFill/>
-          <a:extLst>
-            <a:ext uri="{909E8E84-426E-40DD-AFC4-6F175D3DCCD1}">
-              <a14:hiddenFill xmlns:a14="http://schemas.microsoft.com/office/drawing/2010/main">
-                <a:solidFill>
-                  <a:srgbClr val="FFFFFF"/>
-                </a:solidFill>
-              </a14:hiddenFill>
-            </a:ext>
-          </a:extLst>
-        </p:spPr>
-      </p:pic>
-      <p:pic>
-        <p:nvPicPr>
-          <p:cNvPr id="3" name="y">
-            <a:extLst>
-              <a:ext uri="{FF2B5EF4-FFF2-40B4-BE49-F238E27FC236}">
-                <a16:creationId xmlns:a16="http://schemas.microsoft.com/office/drawing/2014/main" id="{94BBF2C1-0809-55FB-FAF2-F208D1E264AD}"/>
-              </a:ext>
-            </a:extLst>
-          </p:cNvPr>
-          <p:cNvPicPr>
-            <a:picLocks noChangeAspect="1"/>
-          </p:cNvPicPr>
-          <p:nvPr/>
-        </p:nvPicPr>
-        <p:blipFill>
-          <a:blip r:embed="rId3">
-            <a:extLst>
-              <a:ext uri="{28A0092B-C50C-407E-A947-70E740481C1C}">
-                <a14:useLocalDpi xmlns:a14="http://schemas.microsoft.com/office/drawing/2010/main" val="0"/>
-              </a:ext>
-            </a:extLst>
-          </a:blip>
-          <a:srcRect t="4699" b="4699"/>
-          <a:stretch/>
-        </p:blipFill>
-        <p:spPr>
-          <a:xfrm>
-            <a:off x="52732" y="213190"/>
-            <a:ext cx="274955" cy="323850"/>
-          </a:xfrm>
-          <a:prstGeom prst="ellipse">
-            <a:avLst/>
-          </a:prstGeom>
-        </p:spPr>
-      </p:pic>
-      <p:pic>
-        <p:nvPicPr>
-          <p:cNvPr id="7" name="2s">
-            <a:extLst>
-              <a:ext uri="{FF2B5EF4-FFF2-40B4-BE49-F238E27FC236}">
-                <a16:creationId xmlns:a16="http://schemas.microsoft.com/office/drawing/2014/main" id="{91CD1597-610B-A3B0-E2EC-4D11946DDF9B}"/>
-              </a:ext>
-            </a:extLst>
-          </p:cNvPr>
-          <p:cNvPicPr>
-            <a:picLocks noChangeAspect="1" noChangeArrowheads="1"/>
-          </p:cNvPicPr>
-          <p:nvPr/>
-        </p:nvPicPr>
-        <p:blipFill rotWithShape="1">
-          <a:blip r:embed="rId2">
-            <a:alphaModFix amt="70000"/>
-            <a:duotone>
-              <a:schemeClr val="accent2">
-                <a:shade val="45000"/>
-                <a:satMod val="135000"/>
-              </a:schemeClr>
-              <a:prstClr val="white"/>
-            </a:duotone>
-            <a:extLst>
-              <a:ext uri="{28A0092B-C50C-407E-A947-70E740481C1C}">
-                <a14:useLocalDpi xmlns:a14="http://schemas.microsoft.com/office/drawing/2010/main" val="0"/>
-              </a:ext>
-            </a:extLst>
-          </a:blip>
-          <a:srcRect b="25035"/>
-          <a:stretch/>
-        </p:blipFill>
-        <p:spPr bwMode="auto">
-          <a:xfrm flipH="1">
-            <a:off x="-62582" y="127834"/>
-            <a:ext cx="545858" cy="409205"/>
-          </a:xfrm>
-          <a:prstGeom prst="ellipse">
-            <a:avLst/>
-          </a:prstGeom>
-          <a:noFill/>
-          <a:extLst>
-            <a:ext uri="{909E8E84-426E-40DD-AFC4-6F175D3DCCD1}">
-              <a14:hiddenFill xmlns:a14="http://schemas.microsoft.com/office/drawing/2010/main">
-                <a:solidFill>
-                  <a:srgbClr val="FFFFFF"/>
-                </a:solidFill>
-              </a14:hiddenFill>
-            </a:ext>
-          </a:extLst>
-        </p:spPr>
-      </p:pic>
-    </p:spTree>
-    <p:extLst>
-      <p:ext uri="{BB962C8B-B14F-4D97-AF65-F5344CB8AC3E}">
-        <p14:creationId xmlns:p14="http://schemas.microsoft.com/office/powerpoint/2010/main" val="1886186054"/>
-      </p:ext>
-    </p:extLst>
-  </p:cSld>
-  <p:clrMapOvr>
-    <a:masterClrMapping/>
-  </p:clrMapOvr>
-  <mc:AlternateContent xmlns:mc="http://schemas.openxmlformats.org/markup-compatibility/2006" xmlns:p14="http://schemas.microsoft.com/office/powerpoint/2010/main">
-    <mc:Choice Requires="p14">
-      <p:transition spd="slow" p14:dur="3000"/>
-    </mc:Choice>
-    <mc:Fallback xmlns="">
-      <p:transition spd="slow"/>
-    </mc:Fallback>
-  </mc:AlternateContent>
-  <p:timing>
-    <p:tnLst>
-      <p:par>
-        <p:cTn id="1" dur="indefinite" restart="never" nodeType="tmRoot">
-          <p:childTnLst>
-            <p:seq concurrent="1" nextAc="seek">
-              <p:cTn id="2" dur="indefinite" nodeType="mainSeq">
-                <p:childTnLst>
-                  <p:par>
-                    <p:cTn id="3" fill="hold">
-                      <p:stCondLst>
-                        <p:cond delay="indefinite"/>
-                        <p:cond evt="onBegin" delay="0">
-                          <p:tn val="2"/>
-                        </p:cond>
-                      </p:stCondLst>
-                      <p:childTnLst>
-                        <p:par>
-                          <p:cTn id="4" fill="hold">
-                            <p:stCondLst>
-                              <p:cond delay="0"/>
-                            </p:stCondLst>
-                            <p:childTnLst>
-                              <p:par>
-                                <p:cTn id="5" presetID="6" presetClass="exit" presetSubtype="32" fill="hold" nodeType="withEffect">
-                                  <p:stCondLst>
-                                    <p:cond delay="0"/>
-                                  </p:stCondLst>
-                                  <p:childTnLst>
-                                    <p:animEffect transition="out" filter="circle(out)">
-                                      <p:cBhvr>
-                                        <p:cTn id="6" dur="2000"/>
-                                        <p:tgtEl>
-                                          <p:spTgt spid="7"/>
-                                        </p:tgtEl>
-                                      </p:cBhvr>
-                                    </p:animEffect>
-                                    <p:set>
-                                      <p:cBhvr>
-                                        <p:cTn id="7" dur="1" fill="hold">
-                                          <p:stCondLst>
-                                            <p:cond delay="1999"/>
-                                          </p:stCondLst>
-                                        </p:cTn>
-                                        <p:tgtEl>
-                                          <p:spTgt spid="7"/>
-                                        </p:tgtEl>
-                                        <p:attrNameLst>
-                                          <p:attrName>style.visibility</p:attrName>
-                                        </p:attrNameLst>
-                                      </p:cBhvr>
-                                      <p:to>
-                                        <p:strVal val="hidden"/>
-                                      </p:to>
-                                    </p:set>
-                                  </p:childTnLst>
-                                </p:cTn>
-                              </p:par>
-                              <p:par>
-                                <p:cTn id="8" presetID="6" presetClass="exit" presetSubtype="32" fill="hold" nodeType="withEffect">
-                                  <p:stCondLst>
-                                    <p:cond delay="0"/>
-                                  </p:stCondLst>
-                                  <p:childTnLst>
-                                    <p:animEffect transition="out" filter="circle(out)">
-                                      <p:cBhvr>
-                                        <p:cTn id="9" dur="2000"/>
-                                        <p:tgtEl>
-                                          <p:spTgt spid="1029"/>
-                                        </p:tgtEl>
-                                      </p:cBhvr>
-                                    </p:animEffect>
-                                    <p:set>
-                                      <p:cBhvr>
-                                        <p:cTn id="10" dur="1" fill="hold">
-                                          <p:stCondLst>
-                                            <p:cond delay="1999"/>
-                                          </p:stCondLst>
-                                        </p:cTn>
-                                        <p:tgtEl>
-                                          <p:spTgt spid="1029"/>
-                                        </p:tgtEl>
-                                        <p:attrNameLst>
-                                          <p:attrName>style.visibility</p:attrName>
-                                        </p:attrNameLst>
-                                      </p:cBhvr>
-                                      <p:to>
-                                        <p:strVal val="hidden"/>
-                                      </p:to>
-                                    </p:set>
-                                  </p:childTnLst>
-                                </p:cTn>
-                              </p:par>
-                            </p:childTnLst>
-                          </p:cTn>
-                        </p:par>
-                      </p:childTnLst>
-                    </p:cTn>
-                  </p:par>
-                </p:childTnLst>
-              </p:cTn>
-              <p:prevCondLst>
-                <p:cond evt="onPrev" delay="0">
-                  <p:tgtEl>
-                    <p:sldTgt/>
-                  </p:tgtEl>
-                </p:cond>
-              </p:prevCondLst>
-              <p:nextCondLst>
-                <p:cond evt="onNext" delay="0">
-                  <p:tgtEl>
-                    <p:sldTgt/>
-                  </p:tgtEl>
-                </p:cond>
-              </p:nextCondLst>
-            </p:seq>
-          </p:childTnLst>
-        </p:cTn>
-      </p:par>
-    </p:tnLst>
-  </p:timing>
-</p:sld>
-</file>
-
-<file path=ppt/slides/slide7.xml><?xml version="1.0" encoding="utf-8"?>
-<p:sld xmlns:a="http://schemas.openxmlformats.org/drawingml/2006/main" xmlns:r="http://schemas.openxmlformats.org/officeDocument/2006/relationships" xmlns:p="http://schemas.openxmlformats.org/presentationml/2006/main">
-  <p:cSld>
-    <p:spTree>
-      <p:nvGrpSpPr>
         <p:cNvPr id="1" name="">
           <a:extLst>
             <a:ext uri="{FF2B5EF4-FFF2-40B4-BE49-F238E27FC236}">
@@ -5143,13 +3354,13 @@
               </a:ext>
             </a:extLst>
           </a:blip>
-          <a:srcRect b="25035"/>
+          <a:srcRect l="32674" t="2169" r="34527" b="22867"/>
           <a:stretch/>
         </p:blipFill>
         <p:spPr bwMode="auto">
           <a:xfrm>
-            <a:off x="-128236" y="29400"/>
-            <a:ext cx="677165" cy="507639"/>
+            <a:off x="72200" y="-389402"/>
+            <a:ext cx="248533" cy="830982"/>
           </a:xfrm>
           <a:prstGeom prst="ellipse">
             <a:avLst/>
@@ -5188,13 +3399,13 @@
               </a:ext>
             </a:extLst>
           </a:blip>
-          <a:srcRect t="4699" b="4699"/>
+          <a:srcRect l="-43456" t="-38099" r="-96588" b="-63912"/>
           <a:stretch/>
         </p:blipFill>
         <p:spPr>
           <a:xfrm>
-            <a:off x="52732" y="213190"/>
-            <a:ext cx="274955" cy="323850"/>
+            <a:off x="-62002" y="26089"/>
+            <a:ext cx="660013" cy="722071"/>
           </a:xfrm>
           <a:prstGeom prst="ellipse">
             <a:avLst/>
@@ -5231,13 +3442,66 @@
               </a:ext>
             </a:extLst>
           </a:blip>
-          <a:srcRect b="25035"/>
+          <a:srcRect l="31955" t="4458" r="30572" b="20576"/>
           <a:stretch/>
         </p:blipFill>
         <p:spPr bwMode="auto">
-          <a:xfrm flipH="1">
-            <a:off x="-62582" y="127834"/>
-            <a:ext cx="545858" cy="409205"/>
+          <a:xfrm rot="20444348" flipH="1">
+            <a:off x="121084" y="230827"/>
+            <a:ext cx="161885" cy="323850"/>
+          </a:xfrm>
+          <a:prstGeom prst="ellipse">
+            <a:avLst/>
+          </a:prstGeom>
+          <a:noFill/>
+          <a:extLst>
+            <a:ext uri="{909E8E84-426E-40DD-AFC4-6F175D3DCCD1}">
+              <a14:hiddenFill xmlns:a14="http://schemas.microsoft.com/office/drawing/2010/main">
+                <a:solidFill>
+                  <a:srgbClr val="FFFFFF"/>
+                </a:solidFill>
+              </a14:hiddenFill>
+            </a:ext>
+          </a:extLst>
+        </p:spPr>
+      </p:pic>
+      <p:pic>
+        <p:nvPicPr>
+          <p:cNvPr id="2" name="2s">
+            <a:extLst>
+              <a:ext uri="{FF2B5EF4-FFF2-40B4-BE49-F238E27FC236}">
+                <a16:creationId xmlns:a16="http://schemas.microsoft.com/office/drawing/2014/main" id="{161712A4-348A-7067-8B0D-B51E402A0FE9}"/>
+              </a:ext>
+            </a:extLst>
+          </p:cNvPr>
+          <p:cNvPicPr>
+            <a:picLocks noChangeAspect="1" noChangeArrowheads="1"/>
+          </p:cNvPicPr>
+          <p:nvPr/>
+        </p:nvPicPr>
+        <p:blipFill rotWithShape="1">
+          <a:blip r:embed="rId2">
+            <a:alphaModFix amt="70000"/>
+            <a:duotone>
+              <a:schemeClr val="accent2">
+                <a:shade val="45000"/>
+                <a:satMod val="135000"/>
+              </a:schemeClr>
+              <a:prstClr val="white"/>
+            </a:duotone>
+            <a:extLst>
+              <a:ext uri="{28A0092B-C50C-407E-A947-70E740481C1C}">
+                <a14:useLocalDpi xmlns:a14="http://schemas.microsoft.com/office/drawing/2010/main" val="0"/>
+              </a:ext>
+            </a:extLst>
+          </a:blip>
+          <a:srcRect l="31955" t="4458" r="30572" b="20576"/>
+          <a:stretch/>
+        </p:blipFill>
+        <p:spPr bwMode="auto">
+          <a:xfrm rot="1957426" flipH="1">
+            <a:off x="91275" y="213190"/>
+            <a:ext cx="161885" cy="323850"/>
           </a:xfrm>
           <a:prstGeom prst="ellipse">
             <a:avLst/>
@@ -5365,292 +3629,29 @@
                                   </p:childTnLst>
                                 </p:cTn>
                               </p:par>
-                            </p:childTnLst>
-                          </p:cTn>
-                        </p:par>
-                      </p:childTnLst>
-                    </p:cTn>
-                  </p:par>
-                </p:childTnLst>
-              </p:cTn>
-              <p:prevCondLst>
-                <p:cond evt="onPrev" delay="0">
-                  <p:tgtEl>
-                    <p:sldTgt/>
-                  </p:tgtEl>
-                </p:cond>
-              </p:prevCondLst>
-              <p:nextCondLst>
-                <p:cond evt="onNext" delay="0">
-                  <p:tgtEl>
-                    <p:sldTgt/>
-                  </p:tgtEl>
-                </p:cond>
-              </p:nextCondLst>
-            </p:seq>
-          </p:childTnLst>
-        </p:cTn>
-      </p:par>
-    </p:tnLst>
-  </p:timing>
-</p:sld>
-</file>
-
-<file path=ppt/slides/slide8.xml><?xml version="1.0" encoding="utf-8"?>
-<p:sld xmlns:a="http://schemas.openxmlformats.org/drawingml/2006/main" xmlns:r="http://schemas.openxmlformats.org/officeDocument/2006/relationships" xmlns:p="http://schemas.openxmlformats.org/presentationml/2006/main">
-  <p:cSld>
-    <p:spTree>
-      <p:nvGrpSpPr>
-        <p:cNvPr id="1" name="">
-          <a:extLst>
-            <a:ext uri="{FF2B5EF4-FFF2-40B4-BE49-F238E27FC236}">
-              <a16:creationId xmlns:a16="http://schemas.microsoft.com/office/drawing/2014/main" id="{BA4682AA-811A-2758-5DDD-5A4CBF296DC3}"/>
-            </a:ext>
-          </a:extLst>
-        </p:cNvPr>
-        <p:cNvGrpSpPr/>
-        <p:nvPr/>
-      </p:nvGrpSpPr>
-      <p:grpSpPr>
-        <a:xfrm>
-          <a:off x="0" y="0"/>
-          <a:ext cx="0" cy="0"/>
-          <a:chOff x="0" y="0"/>
-          <a:chExt cx="0" cy="0"/>
-        </a:xfrm>
-      </p:grpSpPr>
-      <p:pic>
-        <p:nvPicPr>
-          <p:cNvPr id="1029" name="Picture 5">
-            <a:extLst>
-              <a:ext uri="{FF2B5EF4-FFF2-40B4-BE49-F238E27FC236}">
-                <a16:creationId xmlns:a16="http://schemas.microsoft.com/office/drawing/2014/main" id="{0B556095-15A9-62ED-9F5B-73303CA28C1B}"/>
-              </a:ext>
-            </a:extLst>
-          </p:cNvPr>
-          <p:cNvPicPr>
-            <a:picLocks noChangeAspect="1" noChangeArrowheads="1"/>
-          </p:cNvPicPr>
-          <p:nvPr/>
-        </p:nvPicPr>
-        <p:blipFill rotWithShape="1">
-          <a:blip r:embed="rId2">
-            <a:extLst>
-              <a:ext uri="{28A0092B-C50C-407E-A947-70E740481C1C}">
-                <a14:useLocalDpi xmlns:a14="http://schemas.microsoft.com/office/drawing/2010/main" val="0"/>
-              </a:ext>
-            </a:extLst>
-          </a:blip>
-          <a:srcRect b="25035"/>
-          <a:stretch/>
-        </p:blipFill>
-        <p:spPr bwMode="auto">
-          <a:xfrm>
-            <a:off x="-128236" y="29400"/>
-            <a:ext cx="677165" cy="507639"/>
-          </a:xfrm>
-          <a:prstGeom prst="ellipse">
-            <a:avLst/>
-          </a:prstGeom>
-          <a:noFill/>
-          <a:extLst>
-            <a:ext uri="{909E8E84-426E-40DD-AFC4-6F175D3DCCD1}">
-              <a14:hiddenFill xmlns:a14="http://schemas.microsoft.com/office/drawing/2010/main">
-                <a:solidFill>
-                  <a:srgbClr val="FFFFFF"/>
-                </a:solidFill>
-              </a14:hiddenFill>
-            </a:ext>
-          </a:extLst>
-        </p:spPr>
-      </p:pic>
-      <p:pic>
-        <p:nvPicPr>
-          <p:cNvPr id="3" name="2">
-            <a:extLst>
-              <a:ext uri="{FF2B5EF4-FFF2-40B4-BE49-F238E27FC236}">
-                <a16:creationId xmlns:a16="http://schemas.microsoft.com/office/drawing/2014/main" id="{49EDFA4E-99E1-289A-A6E6-EE137B17FD49}"/>
-              </a:ext>
-            </a:extLst>
-          </p:cNvPr>
-          <p:cNvPicPr>
-            <a:picLocks noChangeAspect="1"/>
-          </p:cNvPicPr>
-          <p:nvPr/>
-        </p:nvPicPr>
-        <p:blipFill>
-          <a:blip r:embed="rId3">
-            <a:extLst>
-              <a:ext uri="{28A0092B-C50C-407E-A947-70E740481C1C}">
-                <a14:useLocalDpi xmlns:a14="http://schemas.microsoft.com/office/drawing/2010/main" val="0"/>
-              </a:ext>
-            </a:extLst>
-          </a:blip>
-          <a:srcRect t="4699" b="4699"/>
-          <a:stretch/>
-        </p:blipFill>
-        <p:spPr>
-          <a:xfrm>
-            <a:off x="52732" y="213190"/>
-            <a:ext cx="274955" cy="323850"/>
-          </a:xfrm>
-          <a:prstGeom prst="ellipse">
-            <a:avLst/>
-          </a:prstGeom>
-        </p:spPr>
-      </p:pic>
-      <p:pic>
-        <p:nvPicPr>
-          <p:cNvPr id="7" name="2s">
-            <a:extLst>
-              <a:ext uri="{FF2B5EF4-FFF2-40B4-BE49-F238E27FC236}">
-                <a16:creationId xmlns:a16="http://schemas.microsoft.com/office/drawing/2014/main" id="{2CAD8B94-8784-4A0D-62D0-EEAFCFD04FA5}"/>
-              </a:ext>
-            </a:extLst>
-          </p:cNvPr>
-          <p:cNvPicPr>
-            <a:picLocks noChangeAspect="1" noChangeArrowheads="1"/>
-          </p:cNvPicPr>
-          <p:nvPr/>
-        </p:nvPicPr>
-        <p:blipFill rotWithShape="1">
-          <a:blip r:embed="rId2">
-            <a:alphaModFix amt="70000"/>
-            <a:duotone>
-              <a:schemeClr val="accent2">
-                <a:shade val="45000"/>
-                <a:satMod val="135000"/>
-              </a:schemeClr>
-              <a:prstClr val="white"/>
-            </a:duotone>
-            <a:extLst>
-              <a:ext uri="{28A0092B-C50C-407E-A947-70E740481C1C}">
-                <a14:useLocalDpi xmlns:a14="http://schemas.microsoft.com/office/drawing/2010/main" val="0"/>
-              </a:ext>
-            </a:extLst>
-          </a:blip>
-          <a:srcRect b="25035"/>
-          <a:stretch/>
-        </p:blipFill>
-        <p:spPr bwMode="auto">
-          <a:xfrm flipH="1">
-            <a:off x="-62582" y="127834"/>
-            <a:ext cx="545858" cy="409205"/>
-          </a:xfrm>
-          <a:prstGeom prst="ellipse">
-            <a:avLst/>
-          </a:prstGeom>
-          <a:noFill/>
-          <a:extLst>
-            <a:ext uri="{909E8E84-426E-40DD-AFC4-6F175D3DCCD1}">
-              <a14:hiddenFill xmlns:a14="http://schemas.microsoft.com/office/drawing/2010/main">
-                <a:solidFill>
-                  <a:srgbClr val="FFFFFF"/>
-                </a:solidFill>
-              </a14:hiddenFill>
-            </a:ext>
-          </a:extLst>
-        </p:spPr>
-      </p:pic>
-    </p:spTree>
-    <p:extLst>
-      <p:ext uri="{BB962C8B-B14F-4D97-AF65-F5344CB8AC3E}">
-        <p14:creationId xmlns:p14="http://schemas.microsoft.com/office/powerpoint/2010/main" val="681516643"/>
-      </p:ext>
-    </p:extLst>
-  </p:cSld>
-  <p:clrMapOvr>
-    <a:masterClrMapping/>
-  </p:clrMapOvr>
-  <mc:AlternateContent xmlns:mc="http://schemas.openxmlformats.org/markup-compatibility/2006" xmlns:p14="http://schemas.microsoft.com/office/powerpoint/2010/main">
-    <mc:Choice Requires="p14">
-      <p:transition spd="slow" p14:dur="3000"/>
-    </mc:Choice>
-    <mc:Fallback xmlns="">
-      <p:transition spd="slow"/>
-    </mc:Fallback>
-  </mc:AlternateContent>
-  <p:timing>
-    <p:tnLst>
-      <p:par>
-        <p:cTn id="1" dur="indefinite" restart="never" nodeType="tmRoot">
-          <p:childTnLst>
-            <p:seq concurrent="1" nextAc="seek">
-              <p:cTn id="2" dur="indefinite" nodeType="mainSeq">
-                <p:childTnLst>
-                  <p:par>
-                    <p:cTn id="3" fill="hold">
-                      <p:stCondLst>
-                        <p:cond delay="indefinite"/>
-                        <p:cond evt="onBegin" delay="0">
-                          <p:tn val="2"/>
-                        </p:cond>
-                      </p:stCondLst>
-                      <p:childTnLst>
-                        <p:par>
-                          <p:cTn id="4" fill="hold">
-                            <p:stCondLst>
-                              <p:cond delay="0"/>
-                            </p:stCondLst>
-                            <p:childTnLst>
                               <p:par>
-                                <p:cTn id="5" presetID="6" presetClass="exit" presetSubtype="32" fill="hold" nodeType="withEffect">
+                                <p:cTn id="11" presetID="6" presetClass="exit" presetSubtype="32" fill="hold" nodeType="withEffect">
                                   <p:stCondLst>
                                     <p:cond delay="0"/>
                                   </p:stCondLst>
                                   <p:childTnLst>
                                     <p:animEffect transition="out" filter="circle(out)">
                                       <p:cBhvr>
-                                        <p:cTn id="6" dur="2000"/>
+                                        <p:cTn id="12" dur="2000"/>
                                         <p:tgtEl>
-                                          <p:spTgt spid="7"/>
+                                          <p:spTgt spid="2"/>
                                         </p:tgtEl>
                                       </p:cBhvr>
                                     </p:animEffect>
                                     <p:set>
                                       <p:cBhvr>
-                                        <p:cTn id="7" dur="1" fill="hold">
+                                        <p:cTn id="13" dur="1" fill="hold">
                                           <p:stCondLst>
                                             <p:cond delay="1999"/>
                                           </p:stCondLst>
                                         </p:cTn>
                                         <p:tgtEl>
-                                          <p:spTgt spid="7"/>
-                                        </p:tgtEl>
-                                        <p:attrNameLst>
-                                          <p:attrName>style.visibility</p:attrName>
-                                        </p:attrNameLst>
-                                      </p:cBhvr>
-                                      <p:to>
-                                        <p:strVal val="hidden"/>
-                                      </p:to>
-                                    </p:set>
-                                  </p:childTnLst>
-                                </p:cTn>
-                              </p:par>
-                              <p:par>
-                                <p:cTn id="8" presetID="6" presetClass="exit" presetSubtype="32" fill="hold" nodeType="withEffect">
-                                  <p:stCondLst>
-                                    <p:cond delay="0"/>
-                                  </p:stCondLst>
-                                  <p:childTnLst>
-                                    <p:animEffect transition="out" filter="circle(out)">
-                                      <p:cBhvr>
-                                        <p:cTn id="9" dur="2000"/>
-                                        <p:tgtEl>
-                                          <p:spTgt spid="1029"/>
-                                        </p:tgtEl>
-                                      </p:cBhvr>
-                                    </p:animEffect>
-                                    <p:set>
-                                      <p:cBhvr>
-                                        <p:cTn id="10" dur="1" fill="hold">
-                                          <p:stCondLst>
-                                            <p:cond delay="1999"/>
-                                          </p:stCondLst>
-                                        </p:cTn>
-                                        <p:tgtEl>
-                                          <p:spTgt spid="1029"/>
+                                          <p:spTgt spid="2"/>
                                         </p:tgtEl>
                                         <p:attrNameLst>
                                           <p:attrName>style.visibility</p:attrName>

--- a/3d models/ppt/__Deflame.pptx
+++ b/3d models/ppt/__Deflame.pptx
@@ -197,7 +197,7 @@
           <a:p>
             <a:fld id="{E5742A41-E671-4430-BD11-9C70C9E0B339}" type="datetimeFigureOut">
               <a:rPr lang="en-CA" smtClean="0"/>
-              <a:t>2025-05-18</a:t>
+              <a:t>2025-05-24</a:t>
             </a:fld>
             <a:endParaRPr lang="en-CA"/>
           </a:p>
@@ -596,7 +596,7 @@
           <a:p>
             <a:fld id="{E174D934-5F45-4F20-9FDF-AE6396442B39}" type="datetimeFigureOut">
               <a:rPr lang="en-CA" smtClean="0"/>
-              <a:t>2025-05-18</a:t>
+              <a:t>2025-05-24</a:t>
             </a:fld>
             <a:endParaRPr lang="en-CA"/>
           </a:p>
@@ -766,7 +766,7 @@
           <a:p>
             <a:fld id="{E174D934-5F45-4F20-9FDF-AE6396442B39}" type="datetimeFigureOut">
               <a:rPr lang="en-CA" smtClean="0"/>
-              <a:t>2025-05-18</a:t>
+              <a:t>2025-05-24</a:t>
             </a:fld>
             <a:endParaRPr lang="en-CA"/>
           </a:p>
@@ -946,7 +946,7 @@
           <a:p>
             <a:fld id="{E174D934-5F45-4F20-9FDF-AE6396442B39}" type="datetimeFigureOut">
               <a:rPr lang="en-CA" smtClean="0"/>
-              <a:t>2025-05-18</a:t>
+              <a:t>2025-05-24</a:t>
             </a:fld>
             <a:endParaRPr lang="en-CA"/>
           </a:p>
@@ -1116,7 +1116,7 @@
           <a:p>
             <a:fld id="{E174D934-5F45-4F20-9FDF-AE6396442B39}" type="datetimeFigureOut">
               <a:rPr lang="en-CA" smtClean="0"/>
-              <a:t>2025-05-18</a:t>
+              <a:t>2025-05-24</a:t>
             </a:fld>
             <a:endParaRPr lang="en-CA"/>
           </a:p>
@@ -1362,7 +1362,7 @@
           <a:p>
             <a:fld id="{E174D934-5F45-4F20-9FDF-AE6396442B39}" type="datetimeFigureOut">
               <a:rPr lang="en-CA" smtClean="0"/>
-              <a:t>2025-05-18</a:t>
+              <a:t>2025-05-24</a:t>
             </a:fld>
             <a:endParaRPr lang="en-CA"/>
           </a:p>
@@ -1594,7 +1594,7 @@
           <a:p>
             <a:fld id="{E174D934-5F45-4F20-9FDF-AE6396442B39}" type="datetimeFigureOut">
               <a:rPr lang="en-CA" smtClean="0"/>
-              <a:t>2025-05-18</a:t>
+              <a:t>2025-05-24</a:t>
             </a:fld>
             <a:endParaRPr lang="en-CA"/>
           </a:p>
@@ -1961,7 +1961,7 @@
           <a:p>
             <a:fld id="{E174D934-5F45-4F20-9FDF-AE6396442B39}" type="datetimeFigureOut">
               <a:rPr lang="en-CA" smtClean="0"/>
-              <a:t>2025-05-18</a:t>
+              <a:t>2025-05-24</a:t>
             </a:fld>
             <a:endParaRPr lang="en-CA"/>
           </a:p>
@@ -2079,7 +2079,7 @@
           <a:p>
             <a:fld id="{E174D934-5F45-4F20-9FDF-AE6396442B39}" type="datetimeFigureOut">
               <a:rPr lang="en-CA" smtClean="0"/>
-              <a:t>2025-05-18</a:t>
+              <a:t>2025-05-24</a:t>
             </a:fld>
             <a:endParaRPr lang="en-CA"/>
           </a:p>
@@ -2174,7 +2174,7 @@
           <a:p>
             <a:fld id="{E174D934-5F45-4F20-9FDF-AE6396442B39}" type="datetimeFigureOut">
               <a:rPr lang="en-CA" smtClean="0"/>
-              <a:t>2025-05-18</a:t>
+              <a:t>2025-05-24</a:t>
             </a:fld>
             <a:endParaRPr lang="en-CA"/>
           </a:p>
@@ -2451,7 +2451,7 @@
           <a:p>
             <a:fld id="{E174D934-5F45-4F20-9FDF-AE6396442B39}" type="datetimeFigureOut">
               <a:rPr lang="en-CA" smtClean="0"/>
-              <a:t>2025-05-18</a:t>
+              <a:t>2025-05-24</a:t>
             </a:fld>
             <a:endParaRPr lang="en-CA"/>
           </a:p>
@@ -2708,7 +2708,7 @@
           <a:p>
             <a:fld id="{E174D934-5F45-4F20-9FDF-AE6396442B39}" type="datetimeFigureOut">
               <a:rPr lang="en-CA" smtClean="0"/>
-              <a:t>2025-05-18</a:t>
+              <a:t>2025-05-24</a:t>
             </a:fld>
             <a:endParaRPr lang="en-CA"/>
           </a:p>
@@ -2921,7 +2921,7 @@
           <a:p>
             <a:fld id="{E174D934-5F45-4F20-9FDF-AE6396442B39}" type="datetimeFigureOut">
               <a:rPr lang="en-CA" smtClean="0"/>
-              <a:t>2025-05-18</a:t>
+              <a:t>2025-05-24</a:t>
             </a:fld>
             <a:endParaRPr lang="en-CA"/>
           </a:p>
@@ -3379,7 +3379,7 @@
       </p:pic>
       <p:pic>
         <p:nvPicPr>
-          <p:cNvPr id="3" name="1">
+          <p:cNvPr id="3" name="p1">
             <a:extLst>
               <a:ext uri="{FF2B5EF4-FFF2-40B4-BE49-F238E27FC236}">
                 <a16:creationId xmlns:a16="http://schemas.microsoft.com/office/drawing/2014/main" id="{52503B82-46E8-0910-3954-24E6BEFA1A20}"/>
